--- a/1_作品紹介フォーマット2019/1_作品紹介フォーマット2019.pptx
+++ b/1_作品紹介フォーマット2019/1_作品紹介フォーマット2019.pptx
@@ -134,6 +134,22 @@
       </a:defRPr>
     </a:lvl9pPr>
   </p:defaultTextStyle>
+  <p:extLst>
+    <p:ext uri="{EFAFB233-063F-42B5-8137-9DF3F51BA10A}">
+      <p15:sldGuideLst xmlns:p15="http://schemas.microsoft.com/office/powerpoint/2012/main">
+        <p15:guide id="1" orient="horz" pos="3005">
+          <p15:clr>
+            <a:srgbClr val="A4A3A4"/>
+          </p15:clr>
+        </p15:guide>
+        <p15:guide id="2" pos="2256">
+          <p15:clr>
+            <a:srgbClr val="A4A3A4"/>
+          </p15:clr>
+        </p15:guide>
+      </p15:sldGuideLst>
+    </p:ext>
+  </p:extLst>
 </p:presentation>
 </file>
 
@@ -3881,7 +3897,7 @@
           <p:nvPr>
             <p:extLst>
               <p:ext uri="{D42A27DB-BD31-4B8C-83A1-F6EECF244321}">
-                <p14:modId xmlns:p14="http://schemas.microsoft.com/office/powerpoint/2010/main" val="3291429256"/>
+                <p14:modId xmlns:p14="http://schemas.microsoft.com/office/powerpoint/2010/main" val="511926934"/>
               </p:ext>
             </p:extLst>
           </p:nvPr>
@@ -4291,8 +4307,33 @@
                           <a:latin typeface="Arial" charset="0"/>
                           <a:ea typeface="ＭＳ Ｐゴシック" charset="-128"/>
                         </a:rPr>
-                        <a:t>フリガナ　</a:t>
+                        <a:t>フリガナ </a:t>
                       </a:r>
+                      <a:r>
+                        <a:rPr kumimoji="1" lang="ja-JP" altLang="en-US" sz="700" b="0" i="0" u="none" strike="noStrike" cap="none" normalizeH="0" baseline="0" dirty="0" smtClean="0">
+                          <a:ln>
+                            <a:noFill/>
+                          </a:ln>
+                          <a:solidFill>
+                            <a:schemeClr val="tx1"/>
+                          </a:solidFill>
+                          <a:effectLst/>
+                          <a:latin typeface="Arial" charset="0"/>
+                          <a:ea typeface="ＭＳ Ｐゴシック" charset="-128"/>
+                        </a:rPr>
+                        <a:t>スター　リゲイン</a:t>
+                      </a:r>
+                      <a:endParaRPr kumimoji="1" lang="ja-JP" altLang="en-US" sz="700" b="0" i="0" u="none" strike="noStrike" cap="none" normalizeH="0" baseline="0" dirty="0" smtClean="0">
+                        <a:ln>
+                          <a:noFill/>
+                        </a:ln>
+                        <a:solidFill>
+                          <a:schemeClr val="tx1"/>
+                        </a:solidFill>
+                        <a:effectLst/>
+                        <a:latin typeface="Arial" charset="0"/>
+                        <a:ea typeface="ＭＳ Ｐゴシック" charset="-128"/>
+                      </a:endParaRPr>
                     </a:p>
                   </a:txBody>
                   <a:tcPr horzOverflow="overflow">
@@ -4700,7 +4741,36 @@
                           <a:latin typeface="Arial" charset="0"/>
                           <a:ea typeface="ＭＳ Ｐゴシック" charset="-128"/>
                         </a:rPr>
-                        <a:t>□  </a:t>
+                        <a:t>□</a:t>
+                      </a:r>
+                      <a:r>
+                        <a:rPr kumimoji="1" lang="ja-JP" altLang="en-US" sz="1050" b="0" i="0" u="none" strike="noStrike" cap="none" normalizeH="0" baseline="0" dirty="0" smtClean="0">
+                          <a:ln>
+                            <a:noFill/>
+                          </a:ln>
+                          <a:solidFill>
+                            <a:schemeClr val="tx1"/>
+                          </a:solidFill>
+                          <a:effectLst/>
+                          <a:latin typeface="Arial" charset="0"/>
+                          <a:ea typeface="ＭＳ Ｐゴシック" charset="-128"/>
+                          <a:sym typeface="Wingdings" panose="05000000000000000000" pitchFamily="2" charset="2"/>
+                        </a:rPr>
+                        <a:t></a:t>
+                      </a:r>
+                      <a:r>
+                        <a:rPr kumimoji="1" lang="ja-JP" altLang="en-US" sz="1050" b="0" i="0" u="none" strike="noStrike" cap="none" normalizeH="0" baseline="0" dirty="0" smtClean="0">
+                          <a:ln>
+                            <a:noFill/>
+                          </a:ln>
+                          <a:solidFill>
+                            <a:schemeClr val="tx1"/>
+                          </a:solidFill>
+                          <a:effectLst/>
+                          <a:latin typeface="Arial" charset="0"/>
+                          <a:ea typeface="ＭＳ Ｐゴシック" charset="-128"/>
+                        </a:rPr>
+                        <a:t>  </a:t>
                       </a:r>
                       <a:r>
                         <a:rPr kumimoji="1" lang="en-US" altLang="ja-JP" sz="1050" b="0" i="0" u="none" strike="noStrike" cap="none" normalizeH="0" baseline="0" dirty="0" smtClean="0">
@@ -5114,6 +5184,20 @@
                         <a:buNone/>
                         <a:tabLst/>
                       </a:pPr>
+                      <a:r>
+                        <a:rPr kumimoji="1" lang="en-US" altLang="ja-JP" sz="1200" b="0" i="0" u="none" strike="noStrike" cap="none" normalizeH="0" baseline="0" dirty="0" smtClean="0">
+                          <a:ln>
+                            <a:noFill/>
+                          </a:ln>
+                          <a:solidFill>
+                            <a:schemeClr val="tx1"/>
+                          </a:solidFill>
+                          <a:effectLst/>
+                          <a:latin typeface="Arial" charset="0"/>
+                          <a:ea typeface="ＭＳ Ｐゴシック" charset="-128"/>
+                        </a:rPr>
+                        <a:t>Star Regain</a:t>
+                      </a:r>
                       <a:endParaRPr kumimoji="1" lang="ja-JP" altLang="ja-JP" sz="1200" b="0" i="0" u="none" strike="noStrike" cap="none" normalizeH="0" baseline="0" dirty="0" smtClean="0">
                         <a:ln>
                           <a:noFill/>
@@ -5207,14 +5291,14 @@
           <p:nvPr>
             <p:extLst>
               <p:ext uri="{D42A27DB-BD31-4B8C-83A1-F6EECF244321}">
-                <p14:modId xmlns:p14="http://schemas.microsoft.com/office/powerpoint/2010/main" val="3848577236"/>
+                <p14:modId xmlns:p14="http://schemas.microsoft.com/office/powerpoint/2010/main" val="2842440293"/>
               </p:ext>
             </p:extLst>
           </p:nvPr>
         </p:nvGraphicFramePr>
         <p:xfrm>
           <a:off x="127000" y="2250157"/>
-          <a:ext cx="6697663" cy="7056784"/>
+          <a:ext cx="6697663" cy="8101584"/>
         </p:xfrm>
         <a:graphic>
           <a:graphicData uri="http://schemas.openxmlformats.org/drawingml/2006/table">
@@ -5561,6 +5645,293 @@
                         <a:buNone/>
                         <a:tabLst/>
                       </a:pPr>
+                      <a:r>
+                        <a:rPr kumimoji="1" lang="ja-JP" altLang="en-US" sz="1200" b="0" i="0" u="none" strike="noStrike" cap="none" normalizeH="0" baseline="0" dirty="0" smtClean="0">
+                          <a:ln>
+                            <a:noFill/>
+                          </a:ln>
+                          <a:solidFill>
+                            <a:schemeClr val="tx1"/>
+                          </a:solidFill>
+                          <a:effectLst/>
+                          <a:latin typeface="ＭＳ Ｐゴシック" panose="020B0600070205080204" pitchFamily="50" charset="-128"/>
+                          <a:ea typeface="ＭＳ Ｐゴシック" panose="020B0600070205080204" pitchFamily="50" charset="-128"/>
+                        </a:rPr>
+                        <a:t>今回のテーマ「☆」は宇宙を舞台とし、ステージ上にある星を集め星座を作るということで表現しました。</a:t>
+                      </a:r>
+                      <a:endParaRPr kumimoji="1" lang="en-US" altLang="ja-JP" sz="1200" b="0" i="0" u="none" strike="noStrike" cap="none" normalizeH="0" baseline="0" dirty="0" smtClean="0">
+                        <a:ln>
+                          <a:noFill/>
+                        </a:ln>
+                        <a:solidFill>
+                          <a:schemeClr val="tx1"/>
+                        </a:solidFill>
+                        <a:effectLst/>
+                        <a:latin typeface="ＭＳ Ｐゴシック" panose="020B0600070205080204" pitchFamily="50" charset="-128"/>
+                        <a:ea typeface="ＭＳ Ｐゴシック" panose="020B0600070205080204" pitchFamily="50" charset="-128"/>
+                      </a:endParaRPr>
+                    </a:p>
+                    <a:p>
+                      <a:pPr marL="0" marR="0" lvl="0" indent="0" algn="l" defTabSz="914400" rtl="0" eaLnBrk="1" fontAlgn="base" latinLnBrk="0" hangingPunct="1">
+                        <a:lnSpc>
+                          <a:spcPct val="100000"/>
+                        </a:lnSpc>
+                        <a:spcBef>
+                          <a:spcPct val="20000"/>
+                        </a:spcBef>
+                        <a:spcAft>
+                          <a:spcPct val="0"/>
+                        </a:spcAft>
+                        <a:buClrTx/>
+                        <a:buSzTx/>
+                        <a:buFontTx/>
+                        <a:buNone/>
+                        <a:tabLst/>
+                      </a:pPr>
+                      <a:endParaRPr kumimoji="1" lang="en-US" altLang="ja-JP" sz="1200" b="0" i="0" u="none" strike="noStrike" cap="none" normalizeH="0" baseline="0" dirty="0" smtClean="0">
+                        <a:ln>
+                          <a:noFill/>
+                        </a:ln>
+                        <a:solidFill>
+                          <a:schemeClr val="tx1"/>
+                        </a:solidFill>
+                        <a:effectLst/>
+                        <a:latin typeface="ＭＳ Ｐゴシック" panose="020B0600070205080204" pitchFamily="50" charset="-128"/>
+                        <a:ea typeface="ＭＳ Ｐゴシック" panose="020B0600070205080204" pitchFamily="50" charset="-128"/>
+                      </a:endParaRPr>
+                    </a:p>
+                    <a:p>
+                      <a:pPr marL="0" marR="0" lvl="0" indent="0" algn="l" defTabSz="914400" rtl="0" eaLnBrk="1" fontAlgn="base" latinLnBrk="0" hangingPunct="1">
+                        <a:lnSpc>
+                          <a:spcPct val="100000"/>
+                        </a:lnSpc>
+                        <a:spcBef>
+                          <a:spcPct val="20000"/>
+                        </a:spcBef>
+                        <a:spcAft>
+                          <a:spcPct val="0"/>
+                        </a:spcAft>
+                        <a:buClrTx/>
+                        <a:buSzTx/>
+                        <a:buFontTx/>
+                        <a:buNone/>
+                        <a:tabLst/>
+                      </a:pPr>
+                      <a:r>
+                        <a:rPr kumimoji="1" lang="ja-JP" altLang="en-US" sz="1200" b="0" i="0" u="none" strike="noStrike" cap="none" normalizeH="0" baseline="0" dirty="0" smtClean="0">
+                          <a:ln>
+                            <a:noFill/>
+                          </a:ln>
+                          <a:solidFill>
+                            <a:schemeClr val="tx1"/>
+                          </a:solidFill>
+                          <a:effectLst/>
+                          <a:latin typeface="ＭＳ Ｐゴシック" panose="020B0600070205080204" pitchFamily="50" charset="-128"/>
+                          <a:ea typeface="ＭＳ Ｐゴシック" panose="020B0600070205080204" pitchFamily="50" charset="-128"/>
+                        </a:rPr>
+                        <a:t>各ステージにモチーフとなる星座が存在し、星座を完成させることで次のステージに行くことができます。</a:t>
+                      </a:r>
+                      <a:endParaRPr kumimoji="1" lang="en-US" altLang="ja-JP" sz="1200" b="0" i="0" u="none" strike="noStrike" cap="none" normalizeH="0" baseline="0" dirty="0" smtClean="0">
+                        <a:ln>
+                          <a:noFill/>
+                        </a:ln>
+                        <a:solidFill>
+                          <a:schemeClr val="tx1"/>
+                        </a:solidFill>
+                        <a:effectLst/>
+                        <a:latin typeface="ＭＳ Ｐゴシック" panose="020B0600070205080204" pitchFamily="50" charset="-128"/>
+                        <a:ea typeface="ＭＳ Ｐゴシック" panose="020B0600070205080204" pitchFamily="50" charset="-128"/>
+                      </a:endParaRPr>
+                    </a:p>
+                    <a:p>
+                      <a:pPr marL="0" marR="0" lvl="0" indent="0" algn="l" defTabSz="914400" rtl="0" eaLnBrk="1" fontAlgn="base" latinLnBrk="0" hangingPunct="1">
+                        <a:lnSpc>
+                          <a:spcPct val="100000"/>
+                        </a:lnSpc>
+                        <a:spcBef>
+                          <a:spcPct val="20000"/>
+                        </a:spcBef>
+                        <a:spcAft>
+                          <a:spcPct val="0"/>
+                        </a:spcAft>
+                        <a:buClrTx/>
+                        <a:buSzTx/>
+                        <a:buFontTx/>
+                        <a:buNone/>
+                        <a:tabLst/>
+                      </a:pPr>
+                      <a:r>
+                        <a:rPr kumimoji="1" lang="ja-JP" altLang="en-US" sz="1200" b="0" i="0" u="none" strike="noStrike" cap="none" normalizeH="0" baseline="0" dirty="0" smtClean="0">
+                          <a:ln>
+                            <a:noFill/>
+                          </a:ln>
+                          <a:solidFill>
+                            <a:schemeClr val="tx1"/>
+                          </a:solidFill>
+                          <a:effectLst/>
+                          <a:latin typeface="ＭＳ Ｐゴシック" panose="020B0600070205080204" pitchFamily="50" charset="-128"/>
+                          <a:ea typeface="ＭＳ Ｐゴシック" panose="020B0600070205080204" pitchFamily="50" charset="-128"/>
+                        </a:rPr>
+                        <a:t>星座が完成すると次のステージから各星座に設定されたスキルを使用することができます。</a:t>
+                      </a:r>
+                      <a:endParaRPr kumimoji="1" lang="en-US" altLang="ja-JP" sz="1200" b="0" i="0" u="none" strike="noStrike" cap="none" normalizeH="0" baseline="0" dirty="0" smtClean="0">
+                        <a:ln>
+                          <a:noFill/>
+                        </a:ln>
+                        <a:solidFill>
+                          <a:schemeClr val="tx1"/>
+                        </a:solidFill>
+                        <a:effectLst/>
+                        <a:latin typeface="ＭＳ Ｐゴシック" panose="020B0600070205080204" pitchFamily="50" charset="-128"/>
+                        <a:ea typeface="ＭＳ Ｐゴシック" panose="020B0600070205080204" pitchFamily="50" charset="-128"/>
+                      </a:endParaRPr>
+                    </a:p>
+                    <a:p>
+                      <a:pPr marL="0" marR="0" lvl="0" indent="0" algn="l" defTabSz="914400" rtl="0" eaLnBrk="1" fontAlgn="base" latinLnBrk="0" hangingPunct="1">
+                        <a:lnSpc>
+                          <a:spcPct val="100000"/>
+                        </a:lnSpc>
+                        <a:spcBef>
+                          <a:spcPct val="20000"/>
+                        </a:spcBef>
+                        <a:spcAft>
+                          <a:spcPct val="0"/>
+                        </a:spcAft>
+                        <a:buClrTx/>
+                        <a:buSzTx/>
+                        <a:buFontTx/>
+                        <a:buNone/>
+                        <a:tabLst/>
+                      </a:pPr>
+                      <a:r>
+                        <a:rPr kumimoji="1" lang="ja-JP" altLang="en-US" sz="1200" b="0" i="0" u="none" strike="noStrike" cap="none" normalizeH="0" baseline="0" dirty="0" smtClean="0">
+                          <a:ln>
+                            <a:noFill/>
+                          </a:ln>
+                          <a:solidFill>
+                            <a:schemeClr val="tx1"/>
+                          </a:solidFill>
+                          <a:effectLst/>
+                          <a:latin typeface="ＭＳ Ｐゴシック" panose="020B0600070205080204" pitchFamily="50" charset="-128"/>
+                          <a:ea typeface="ＭＳ Ｐゴシック" panose="020B0600070205080204" pitchFamily="50" charset="-128"/>
+                        </a:rPr>
+                        <a:t>スキルには様々な効果があり、中にはスキルを使用しないと進めない場面もあります。</a:t>
+                      </a:r>
+                      <a:endParaRPr kumimoji="1" lang="en-US" altLang="ja-JP" sz="1200" b="0" i="0" u="none" strike="noStrike" cap="none" normalizeH="0" baseline="0" dirty="0" smtClean="0">
+                        <a:ln>
+                          <a:noFill/>
+                        </a:ln>
+                        <a:solidFill>
+                          <a:schemeClr val="tx1"/>
+                        </a:solidFill>
+                        <a:effectLst/>
+                        <a:latin typeface="ＭＳ Ｐゴシック" panose="020B0600070205080204" pitchFamily="50" charset="-128"/>
+                        <a:ea typeface="ＭＳ Ｐゴシック" panose="020B0600070205080204" pitchFamily="50" charset="-128"/>
+                      </a:endParaRPr>
+                    </a:p>
+                    <a:p>
+                      <a:pPr marL="0" marR="0" lvl="0" indent="0" algn="l" defTabSz="914400" rtl="0" eaLnBrk="1" fontAlgn="base" latinLnBrk="0" hangingPunct="1">
+                        <a:lnSpc>
+                          <a:spcPct val="100000"/>
+                        </a:lnSpc>
+                        <a:spcBef>
+                          <a:spcPct val="20000"/>
+                        </a:spcBef>
+                        <a:spcAft>
+                          <a:spcPct val="0"/>
+                        </a:spcAft>
+                        <a:buClrTx/>
+                        <a:buSzTx/>
+                        <a:buFontTx/>
+                        <a:buNone/>
+                        <a:tabLst/>
+                      </a:pPr>
+                      <a:endParaRPr kumimoji="1" lang="en-US" altLang="ja-JP" sz="1200" b="0" i="0" u="none" strike="noStrike" cap="none" normalizeH="0" baseline="0" dirty="0" smtClean="0">
+                        <a:ln>
+                          <a:noFill/>
+                        </a:ln>
+                        <a:solidFill>
+                          <a:schemeClr val="tx1"/>
+                        </a:solidFill>
+                        <a:effectLst/>
+                        <a:latin typeface="ＭＳ Ｐゴシック" panose="020B0600070205080204" pitchFamily="50" charset="-128"/>
+                        <a:ea typeface="ＭＳ Ｐゴシック" panose="020B0600070205080204" pitchFamily="50" charset="-128"/>
+                      </a:endParaRPr>
+                    </a:p>
+                    <a:p>
+                      <a:pPr marL="0" marR="0" lvl="0" indent="0" algn="l" defTabSz="914400" rtl="0" eaLnBrk="1" fontAlgn="base" latinLnBrk="0" hangingPunct="1">
+                        <a:lnSpc>
+                          <a:spcPct val="100000"/>
+                        </a:lnSpc>
+                        <a:spcBef>
+                          <a:spcPct val="20000"/>
+                        </a:spcBef>
+                        <a:spcAft>
+                          <a:spcPct val="0"/>
+                        </a:spcAft>
+                        <a:buClrTx/>
+                        <a:buSzTx/>
+                        <a:buFontTx/>
+                        <a:buNone/>
+                        <a:tabLst/>
+                      </a:pPr>
+                      <a:r>
+                        <a:rPr kumimoji="1" lang="ja-JP" altLang="en-US" sz="1200" b="0" i="0" u="none" strike="noStrike" cap="none" normalizeH="0" baseline="0" dirty="0" smtClean="0">
+                          <a:ln>
+                            <a:noFill/>
+                          </a:ln>
+                          <a:solidFill>
+                            <a:schemeClr val="tx1"/>
+                          </a:solidFill>
+                          <a:effectLst/>
+                          <a:latin typeface="ＭＳ Ｐゴシック" panose="020B0600070205080204" pitchFamily="50" charset="-128"/>
+                          <a:ea typeface="ＭＳ Ｐゴシック" panose="020B0600070205080204" pitchFamily="50" charset="-128"/>
+                        </a:rPr>
+                        <a:t>すべてのステージをクリアすると、最後にボスが登場します。</a:t>
+                      </a:r>
+                      <a:endParaRPr kumimoji="1" lang="en-US" altLang="ja-JP" sz="1200" b="0" i="0" u="none" strike="noStrike" cap="none" normalizeH="0" baseline="0" dirty="0" smtClean="0">
+                        <a:ln>
+                          <a:noFill/>
+                        </a:ln>
+                        <a:solidFill>
+                          <a:schemeClr val="tx1"/>
+                        </a:solidFill>
+                        <a:effectLst/>
+                        <a:latin typeface="ＭＳ Ｐゴシック" panose="020B0600070205080204" pitchFamily="50" charset="-128"/>
+                        <a:ea typeface="ＭＳ Ｐゴシック" panose="020B0600070205080204" pitchFamily="50" charset="-128"/>
+                      </a:endParaRPr>
+                    </a:p>
+                    <a:p>
+                      <a:pPr marL="0" marR="0" lvl="0" indent="0" algn="l" defTabSz="914400" rtl="0" eaLnBrk="1" fontAlgn="base" latinLnBrk="0" hangingPunct="1">
+                        <a:lnSpc>
+                          <a:spcPct val="100000"/>
+                        </a:lnSpc>
+                        <a:spcBef>
+                          <a:spcPct val="20000"/>
+                        </a:spcBef>
+                        <a:spcAft>
+                          <a:spcPct val="0"/>
+                        </a:spcAft>
+                        <a:buClrTx/>
+                        <a:buSzTx/>
+                        <a:buFontTx/>
+                        <a:buNone/>
+                        <a:tabLst/>
+                      </a:pPr>
+                      <a:r>
+                        <a:rPr kumimoji="1" lang="ja-JP" altLang="en-US" sz="1200" b="0" i="0" u="none" strike="noStrike" cap="none" normalizeH="0" baseline="0" dirty="0" smtClean="0">
+                          <a:ln>
+                            <a:noFill/>
+                          </a:ln>
+                          <a:solidFill>
+                            <a:schemeClr val="tx1"/>
+                          </a:solidFill>
+                          <a:effectLst/>
+                          <a:latin typeface="ＭＳ Ｐゴシック" panose="020B0600070205080204" pitchFamily="50" charset="-128"/>
+                          <a:ea typeface="ＭＳ Ｐゴシック" panose="020B0600070205080204" pitchFamily="50" charset="-128"/>
+                        </a:rPr>
+                        <a:t>これまでのステージで獲得したスキルを駆使して、強力なボスを倒しましょう！</a:t>
+                      </a:r>
                       <a:endParaRPr kumimoji="1" lang="en-US" altLang="ja-JP" sz="1200" b="0" i="0" u="none" strike="noStrike" cap="none" normalizeH="0" baseline="0" dirty="0" smtClean="0">
                         <a:ln>
                           <a:noFill/>

--- a/1_作品紹介フォーマット2019/1_作品紹介フォーマット2019.pptx
+++ b/1_作品紹介フォーマット2019/1_作品紹介フォーマット2019.pptx
@@ -3897,7 +3897,7 @@
           <p:nvPr>
             <p:extLst>
               <p:ext uri="{D42A27DB-BD31-4B8C-83A1-F6EECF244321}">
-                <p14:modId xmlns:p14="http://schemas.microsoft.com/office/powerpoint/2010/main" val="511926934"/>
+                <p14:modId xmlns:p14="http://schemas.microsoft.com/office/powerpoint/2010/main" val="1213994058"/>
               </p:ext>
             </p:extLst>
           </p:nvPr>
@@ -4307,33 +4307,8 @@
                           <a:latin typeface="Arial" charset="0"/>
                           <a:ea typeface="ＭＳ Ｐゴシック" charset="-128"/>
                         </a:rPr>
-                        <a:t>フリガナ </a:t>
+                        <a:t>フリガナ スター　リゲイン</a:t>
                       </a:r>
-                      <a:r>
-                        <a:rPr kumimoji="1" lang="ja-JP" altLang="en-US" sz="700" b="0" i="0" u="none" strike="noStrike" cap="none" normalizeH="0" baseline="0" dirty="0" smtClean="0">
-                          <a:ln>
-                            <a:noFill/>
-                          </a:ln>
-                          <a:solidFill>
-                            <a:schemeClr val="tx1"/>
-                          </a:solidFill>
-                          <a:effectLst/>
-                          <a:latin typeface="Arial" charset="0"/>
-                          <a:ea typeface="ＭＳ Ｐゴシック" charset="-128"/>
-                        </a:rPr>
-                        <a:t>スター　リゲイン</a:t>
-                      </a:r>
-                      <a:endParaRPr kumimoji="1" lang="ja-JP" altLang="en-US" sz="700" b="0" i="0" u="none" strike="noStrike" cap="none" normalizeH="0" baseline="0" dirty="0" smtClean="0">
-                        <a:ln>
-                          <a:noFill/>
-                        </a:ln>
-                        <a:solidFill>
-                          <a:schemeClr val="tx1"/>
-                        </a:solidFill>
-                        <a:effectLst/>
-                        <a:latin typeface="Arial" charset="0"/>
-                        <a:ea typeface="ＭＳ Ｐゴシック" charset="-128"/>
-                      </a:endParaRPr>
                     </a:p>
                   </a:txBody>
                   <a:tcPr horzOverflow="overflow">
@@ -4729,20 +4704,6 @@
                         <a:tabLst/>
                         <a:defRPr/>
                       </a:pPr>
-                      <a:r>
-                        <a:rPr kumimoji="1" lang="ja-JP" altLang="en-US" sz="1050" b="0" i="0" u="none" strike="noStrike" cap="none" normalizeH="0" baseline="0" dirty="0" smtClean="0">
-                          <a:ln>
-                            <a:noFill/>
-                          </a:ln>
-                          <a:solidFill>
-                            <a:schemeClr val="tx1"/>
-                          </a:solidFill>
-                          <a:effectLst/>
-                          <a:latin typeface="Arial" charset="0"/>
-                          <a:ea typeface="ＭＳ Ｐゴシック" charset="-128"/>
-                        </a:rPr>
-                        <a:t>□</a:t>
-                      </a:r>
                       <a:r>
                         <a:rPr kumimoji="1" lang="ja-JP" altLang="en-US" sz="1050" b="0" i="0" u="none" strike="noStrike" cap="none" normalizeH="0" baseline="0" dirty="0" smtClean="0">
                           <a:ln>
@@ -5291,7 +5252,7 @@
           <p:nvPr>
             <p:extLst>
               <p:ext uri="{D42A27DB-BD31-4B8C-83A1-F6EECF244321}">
-                <p14:modId xmlns:p14="http://schemas.microsoft.com/office/powerpoint/2010/main" val="2842440293"/>
+                <p14:modId xmlns:p14="http://schemas.microsoft.com/office/powerpoint/2010/main" val="2669429947"/>
               </p:ext>
             </p:extLst>
           </p:nvPr>
@@ -5657,7 +5618,35 @@
                           <a:latin typeface="ＭＳ Ｐゴシック" panose="020B0600070205080204" pitchFamily="50" charset="-128"/>
                           <a:ea typeface="ＭＳ Ｐゴシック" panose="020B0600070205080204" pitchFamily="50" charset="-128"/>
                         </a:rPr>
-                        <a:t>今回のテーマ「☆」は宇宙を舞台とし、ステージ上にある星を集め星座を作るということで表現しました。</a:t>
+                        <a:t>今回のテーマ「☆」は</a:t>
+                      </a:r>
+                      <a:r>
+                        <a:rPr kumimoji="1" lang="ja-JP" altLang="en-US" sz="1200" b="0" i="0" u="sng" strike="noStrike" cap="none" normalizeH="0" baseline="0" dirty="0" smtClean="0">
+                          <a:ln>
+                            <a:noFill/>
+                          </a:ln>
+                          <a:solidFill>
+                            <a:schemeClr val="tx1"/>
+                          </a:solidFill>
+                          <a:effectLst/>
+                          <a:latin typeface="ＭＳ Ｐゴシック" panose="020B0600070205080204" pitchFamily="50" charset="-128"/>
+                          <a:ea typeface="ＭＳ Ｐゴシック" panose="020B0600070205080204" pitchFamily="50" charset="-128"/>
+                        </a:rPr>
+                        <a:t>宇宙を舞台とし、ステージ上にある星を集め星座を作る</a:t>
+                      </a:r>
+                      <a:r>
+                        <a:rPr kumimoji="1" lang="ja-JP" altLang="en-US" sz="1200" b="0" i="0" u="none" strike="noStrike" cap="none" normalizeH="0" baseline="0" dirty="0" smtClean="0">
+                          <a:ln>
+                            <a:noFill/>
+                          </a:ln>
+                          <a:solidFill>
+                            <a:schemeClr val="tx1"/>
+                          </a:solidFill>
+                          <a:effectLst/>
+                          <a:latin typeface="ＭＳ Ｐゴシック" panose="020B0600070205080204" pitchFamily="50" charset="-128"/>
+                          <a:ea typeface="ＭＳ Ｐゴシック" panose="020B0600070205080204" pitchFamily="50" charset="-128"/>
+                        </a:rPr>
+                        <a:t>ということで表現しました。</a:t>
                       </a:r>
                       <a:endParaRPr kumimoji="1" lang="en-US" altLang="ja-JP" sz="1200" b="0" i="0" u="none" strike="noStrike" cap="none" normalizeH="0" baseline="0" dirty="0" smtClean="0">
                         <a:ln>

--- a/1_作品紹介フォーマット2019/1_作品紹介フォーマット2019.pptx
+++ b/1_作品紹介フォーマット2019/1_作品紹介フォーマット2019.pptx
@@ -5252,14 +5252,14 @@
           <p:nvPr>
             <p:extLst>
               <p:ext uri="{D42A27DB-BD31-4B8C-83A1-F6EECF244321}">
-                <p14:modId xmlns:p14="http://schemas.microsoft.com/office/powerpoint/2010/main" val="2669429947"/>
+                <p14:modId xmlns:p14="http://schemas.microsoft.com/office/powerpoint/2010/main" val="144903253"/>
               </p:ext>
             </p:extLst>
           </p:nvPr>
         </p:nvGraphicFramePr>
         <p:xfrm>
           <a:off x="127000" y="2250157"/>
-          <a:ext cx="6697663" cy="8101584"/>
+          <a:ext cx="6697663" cy="18230752"/>
         </p:xfrm>
         <a:graphic>
           <a:graphicData uri="http://schemas.openxmlformats.org/drawingml/2006/table">
@@ -5563,6 +5563,267 @@
                         <a:buNone/>
                         <a:tabLst/>
                       </a:pPr>
+                      <a:endParaRPr kumimoji="1" lang="en-US" altLang="ja-JP" sz="1200" b="0" i="0" u="none" strike="noStrike" cap="none" normalizeH="0" baseline="0" dirty="0" smtClean="0">
+                        <a:ln>
+                          <a:noFill/>
+                        </a:ln>
+                        <a:solidFill>
+                          <a:schemeClr val="tx1"/>
+                        </a:solidFill>
+                        <a:effectLst/>
+                        <a:latin typeface="ＭＳ Ｐゴシック" panose="020B0600070205080204" pitchFamily="50" charset="-128"/>
+                        <a:ea typeface="ＭＳ Ｐゴシック" panose="020B0600070205080204" pitchFamily="50" charset="-128"/>
+                      </a:endParaRPr>
+                    </a:p>
+                    <a:p>
+                      <a:pPr marL="0" marR="0" lvl="0" indent="0" algn="l" defTabSz="914400" rtl="0" eaLnBrk="1" fontAlgn="base" latinLnBrk="0" hangingPunct="1">
+                        <a:lnSpc>
+                          <a:spcPct val="100000"/>
+                        </a:lnSpc>
+                        <a:spcBef>
+                          <a:spcPct val="20000"/>
+                        </a:spcBef>
+                        <a:spcAft>
+                          <a:spcPct val="0"/>
+                        </a:spcAft>
+                        <a:buClrTx/>
+                        <a:buSzTx/>
+                        <a:buFontTx/>
+                        <a:buNone/>
+                        <a:tabLst/>
+                      </a:pPr>
+                      <a:endParaRPr kumimoji="1" lang="en-US" altLang="ja-JP" sz="1200" b="0" i="0" u="none" strike="noStrike" cap="none" normalizeH="0" baseline="0" dirty="0" smtClean="0">
+                        <a:ln>
+                          <a:noFill/>
+                        </a:ln>
+                        <a:solidFill>
+                          <a:schemeClr val="tx1"/>
+                        </a:solidFill>
+                        <a:effectLst/>
+                        <a:latin typeface="ＭＳ Ｐゴシック" panose="020B0600070205080204" pitchFamily="50" charset="-128"/>
+                        <a:ea typeface="ＭＳ Ｐゴシック" panose="020B0600070205080204" pitchFamily="50" charset="-128"/>
+                      </a:endParaRPr>
+                    </a:p>
+                    <a:p>
+                      <a:pPr marL="0" marR="0" lvl="0" indent="0" algn="l" defTabSz="914400" rtl="0" eaLnBrk="1" fontAlgn="base" latinLnBrk="0" hangingPunct="1">
+                        <a:lnSpc>
+                          <a:spcPct val="100000"/>
+                        </a:lnSpc>
+                        <a:spcBef>
+                          <a:spcPct val="20000"/>
+                        </a:spcBef>
+                        <a:spcAft>
+                          <a:spcPct val="0"/>
+                        </a:spcAft>
+                        <a:buClrTx/>
+                        <a:buSzTx/>
+                        <a:buFontTx/>
+                        <a:buNone/>
+                        <a:tabLst/>
+                      </a:pPr>
+                      <a:endParaRPr kumimoji="1" lang="en-US" altLang="ja-JP" sz="1200" b="0" i="0" u="none" strike="noStrike" cap="none" normalizeH="0" baseline="0" dirty="0" smtClean="0">
+                        <a:ln>
+                          <a:noFill/>
+                        </a:ln>
+                        <a:solidFill>
+                          <a:schemeClr val="tx1"/>
+                        </a:solidFill>
+                        <a:effectLst/>
+                        <a:latin typeface="ＭＳ Ｐゴシック" panose="020B0600070205080204" pitchFamily="50" charset="-128"/>
+                        <a:ea typeface="ＭＳ Ｐゴシック" panose="020B0600070205080204" pitchFamily="50" charset="-128"/>
+                      </a:endParaRPr>
+                    </a:p>
+                    <a:p>
+                      <a:pPr marL="0" marR="0" lvl="0" indent="0" algn="l" defTabSz="914400" rtl="0" eaLnBrk="1" fontAlgn="base" latinLnBrk="0" hangingPunct="1">
+                        <a:lnSpc>
+                          <a:spcPct val="100000"/>
+                        </a:lnSpc>
+                        <a:spcBef>
+                          <a:spcPct val="20000"/>
+                        </a:spcBef>
+                        <a:spcAft>
+                          <a:spcPct val="0"/>
+                        </a:spcAft>
+                        <a:buClrTx/>
+                        <a:buSzTx/>
+                        <a:buFontTx/>
+                        <a:buNone/>
+                        <a:tabLst/>
+                      </a:pPr>
+                      <a:endParaRPr kumimoji="1" lang="en-US" altLang="ja-JP" sz="1200" b="0" i="0" u="none" strike="noStrike" cap="none" normalizeH="0" baseline="0" dirty="0" smtClean="0">
+                        <a:ln>
+                          <a:noFill/>
+                        </a:ln>
+                        <a:solidFill>
+                          <a:schemeClr val="tx1"/>
+                        </a:solidFill>
+                        <a:effectLst/>
+                        <a:latin typeface="ＭＳ Ｐゴシック" panose="020B0600070205080204" pitchFamily="50" charset="-128"/>
+                        <a:ea typeface="ＭＳ Ｐゴシック" panose="020B0600070205080204" pitchFamily="50" charset="-128"/>
+                      </a:endParaRPr>
+                    </a:p>
+                    <a:p>
+                      <a:pPr marL="0" marR="0" lvl="0" indent="0" algn="l" defTabSz="914400" rtl="0" eaLnBrk="1" fontAlgn="base" latinLnBrk="0" hangingPunct="1">
+                        <a:lnSpc>
+                          <a:spcPct val="100000"/>
+                        </a:lnSpc>
+                        <a:spcBef>
+                          <a:spcPct val="20000"/>
+                        </a:spcBef>
+                        <a:spcAft>
+                          <a:spcPct val="0"/>
+                        </a:spcAft>
+                        <a:buClrTx/>
+                        <a:buSzTx/>
+                        <a:buFontTx/>
+                        <a:buNone/>
+                        <a:tabLst/>
+                      </a:pPr>
+                      <a:endParaRPr kumimoji="1" lang="en-US" altLang="ja-JP" sz="1200" b="0" i="0" u="none" strike="noStrike" cap="none" normalizeH="0" baseline="0" dirty="0" smtClean="0">
+                        <a:ln>
+                          <a:noFill/>
+                        </a:ln>
+                        <a:solidFill>
+                          <a:schemeClr val="tx1"/>
+                        </a:solidFill>
+                        <a:effectLst/>
+                        <a:latin typeface="ＭＳ Ｐゴシック" panose="020B0600070205080204" pitchFamily="50" charset="-128"/>
+                        <a:ea typeface="ＭＳ Ｐゴシック" panose="020B0600070205080204" pitchFamily="50" charset="-128"/>
+                      </a:endParaRPr>
+                    </a:p>
+                    <a:p>
+                      <a:pPr marL="0" marR="0" lvl="0" indent="0" algn="l" defTabSz="914400" rtl="0" eaLnBrk="1" fontAlgn="base" latinLnBrk="0" hangingPunct="1">
+                        <a:lnSpc>
+                          <a:spcPct val="100000"/>
+                        </a:lnSpc>
+                        <a:spcBef>
+                          <a:spcPct val="20000"/>
+                        </a:spcBef>
+                        <a:spcAft>
+                          <a:spcPct val="0"/>
+                        </a:spcAft>
+                        <a:buClrTx/>
+                        <a:buSzTx/>
+                        <a:buFontTx/>
+                        <a:buNone/>
+                        <a:tabLst/>
+                      </a:pPr>
+                      <a:endParaRPr kumimoji="1" lang="en-US" altLang="ja-JP" sz="1200" b="0" i="0" u="none" strike="noStrike" cap="none" normalizeH="0" baseline="0" dirty="0" smtClean="0">
+                        <a:ln>
+                          <a:noFill/>
+                        </a:ln>
+                        <a:solidFill>
+                          <a:schemeClr val="tx1"/>
+                        </a:solidFill>
+                        <a:effectLst/>
+                        <a:latin typeface="ＭＳ Ｐゴシック" panose="020B0600070205080204" pitchFamily="50" charset="-128"/>
+                        <a:ea typeface="ＭＳ Ｐゴシック" panose="020B0600070205080204" pitchFamily="50" charset="-128"/>
+                      </a:endParaRPr>
+                    </a:p>
+                    <a:p>
+                      <a:pPr marL="0" marR="0" lvl="0" indent="0" algn="l" defTabSz="914400" rtl="0" eaLnBrk="1" fontAlgn="base" latinLnBrk="0" hangingPunct="1">
+                        <a:lnSpc>
+                          <a:spcPct val="100000"/>
+                        </a:lnSpc>
+                        <a:spcBef>
+                          <a:spcPct val="20000"/>
+                        </a:spcBef>
+                        <a:spcAft>
+                          <a:spcPct val="0"/>
+                        </a:spcAft>
+                        <a:buClrTx/>
+                        <a:buSzTx/>
+                        <a:buFontTx/>
+                        <a:buNone/>
+                        <a:tabLst/>
+                      </a:pPr>
+                      <a:endParaRPr kumimoji="1" lang="en-US" altLang="ja-JP" sz="1200" b="0" i="0" u="none" strike="noStrike" cap="none" normalizeH="0" baseline="0" dirty="0" smtClean="0">
+                        <a:ln>
+                          <a:noFill/>
+                        </a:ln>
+                        <a:solidFill>
+                          <a:schemeClr val="tx1"/>
+                        </a:solidFill>
+                        <a:effectLst/>
+                        <a:latin typeface="ＭＳ Ｐゴシック" panose="020B0600070205080204" pitchFamily="50" charset="-128"/>
+                        <a:ea typeface="ＭＳ Ｐゴシック" panose="020B0600070205080204" pitchFamily="50" charset="-128"/>
+                      </a:endParaRPr>
+                    </a:p>
+                    <a:p>
+                      <a:pPr marL="0" marR="0" lvl="0" indent="0" algn="l" defTabSz="914400" rtl="0" eaLnBrk="1" fontAlgn="base" latinLnBrk="0" hangingPunct="1">
+                        <a:lnSpc>
+                          <a:spcPct val="100000"/>
+                        </a:lnSpc>
+                        <a:spcBef>
+                          <a:spcPct val="20000"/>
+                        </a:spcBef>
+                        <a:spcAft>
+                          <a:spcPct val="0"/>
+                        </a:spcAft>
+                        <a:buClrTx/>
+                        <a:buSzTx/>
+                        <a:buFontTx/>
+                        <a:buNone/>
+                        <a:tabLst/>
+                      </a:pPr>
+                      <a:endParaRPr kumimoji="1" lang="en-US" altLang="ja-JP" sz="1200" b="0" i="0" u="none" strike="noStrike" cap="none" normalizeH="0" baseline="0" dirty="0" smtClean="0">
+                        <a:ln>
+                          <a:noFill/>
+                        </a:ln>
+                        <a:solidFill>
+                          <a:schemeClr val="tx1"/>
+                        </a:solidFill>
+                        <a:effectLst/>
+                        <a:latin typeface="ＭＳ Ｐゴシック" panose="020B0600070205080204" pitchFamily="50" charset="-128"/>
+                        <a:ea typeface="ＭＳ Ｐゴシック" panose="020B0600070205080204" pitchFamily="50" charset="-128"/>
+                      </a:endParaRPr>
+                    </a:p>
+                    <a:p>
+                      <a:pPr marL="0" marR="0" lvl="0" indent="0" algn="l" defTabSz="914400" rtl="0" eaLnBrk="1" fontAlgn="base" latinLnBrk="0" hangingPunct="1">
+                        <a:lnSpc>
+                          <a:spcPct val="100000"/>
+                        </a:lnSpc>
+                        <a:spcBef>
+                          <a:spcPct val="20000"/>
+                        </a:spcBef>
+                        <a:spcAft>
+                          <a:spcPct val="0"/>
+                        </a:spcAft>
+                        <a:buClrTx/>
+                        <a:buSzTx/>
+                        <a:buFontTx/>
+                        <a:buNone/>
+                        <a:tabLst/>
+                      </a:pPr>
+                      <a:endParaRPr kumimoji="1" lang="en-US" altLang="ja-JP" sz="1200" b="0" i="0" u="none" strike="noStrike" cap="none" normalizeH="0" baseline="0" dirty="0" smtClean="0">
+                        <a:ln>
+                          <a:noFill/>
+                        </a:ln>
+                        <a:solidFill>
+                          <a:schemeClr val="tx1"/>
+                        </a:solidFill>
+                        <a:effectLst/>
+                        <a:latin typeface="ＭＳ Ｐゴシック" panose="020B0600070205080204" pitchFamily="50" charset="-128"/>
+                        <a:ea typeface="ＭＳ Ｐゴシック" panose="020B0600070205080204" pitchFamily="50" charset="-128"/>
+                      </a:endParaRPr>
+                    </a:p>
+                    <a:p>
+                      <a:pPr marL="0" marR="0" lvl="0" indent="0" algn="l" defTabSz="914400" rtl="0" eaLnBrk="1" fontAlgn="base" latinLnBrk="0" hangingPunct="1">
+                        <a:lnSpc>
+                          <a:spcPct val="100000"/>
+                        </a:lnSpc>
+                        <a:spcBef>
+                          <a:spcPct val="20000"/>
+                        </a:spcBef>
+                        <a:spcAft>
+                          <a:spcPct val="0"/>
+                        </a:spcAft>
+                        <a:buClrTx/>
+                        <a:buSzTx/>
+                        <a:buFontTx/>
+                        <a:buNone/>
+                        <a:tabLst/>
+                      </a:pPr>
                       <a:r>
                         <a:rPr kumimoji="1" lang="ja-JP" altLang="en-US" sz="1200" b="0" i="0" u="none" strike="noStrike" cap="none" normalizeH="0" baseline="0" dirty="0" smtClean="0">
                           <a:ln>
@@ -5575,8 +5836,251 @@
                           <a:latin typeface="ＭＳ Ｐゴシック" panose="020B0600070205080204" pitchFamily="50" charset="-128"/>
                           <a:ea typeface="ＭＳ Ｐゴシック" panose="020B0600070205080204" pitchFamily="50" charset="-128"/>
                         </a:rPr>
-                        <a:t>　</a:t>
+                        <a:t>・</a:t>
                       </a:r>
+                      <a:r>
+                        <a:rPr kumimoji="1" lang="ja-JP" altLang="en-US" sz="1200" b="0" i="0" u="sng" strike="noStrike" cap="none" normalizeH="0" baseline="0" dirty="0" smtClean="0">
+                          <a:ln>
+                            <a:noFill/>
+                          </a:ln>
+                          <a:solidFill>
+                            <a:schemeClr val="tx1"/>
+                          </a:solidFill>
+                          <a:effectLst/>
+                          <a:latin typeface="ＭＳ Ｐゴシック" panose="020B0600070205080204" pitchFamily="50" charset="-128"/>
+                          <a:ea typeface="ＭＳ Ｐゴシック" panose="020B0600070205080204" pitchFamily="50" charset="-128"/>
+                        </a:rPr>
+                        <a:t>ジャンル</a:t>
+                      </a:r>
+                      <a:endParaRPr kumimoji="1" lang="en-US" altLang="ja-JP" sz="1200" b="0" i="0" u="sng" strike="noStrike" cap="none" normalizeH="0" baseline="0" dirty="0" smtClean="0">
+                        <a:ln>
+                          <a:noFill/>
+                        </a:ln>
+                        <a:solidFill>
+                          <a:schemeClr val="tx1"/>
+                        </a:solidFill>
+                        <a:effectLst/>
+                        <a:latin typeface="ＭＳ Ｐゴシック" panose="020B0600070205080204" pitchFamily="50" charset="-128"/>
+                        <a:ea typeface="ＭＳ Ｐゴシック" panose="020B0600070205080204" pitchFamily="50" charset="-128"/>
+                      </a:endParaRPr>
+                    </a:p>
+                    <a:p>
+                      <a:pPr marL="0" marR="0" lvl="0" indent="0" algn="l" defTabSz="914400" rtl="0" eaLnBrk="1" fontAlgn="base" latinLnBrk="0" hangingPunct="1">
+                        <a:lnSpc>
+                          <a:spcPct val="100000"/>
+                        </a:lnSpc>
+                        <a:spcBef>
+                          <a:spcPct val="20000"/>
+                        </a:spcBef>
+                        <a:spcAft>
+                          <a:spcPct val="0"/>
+                        </a:spcAft>
+                        <a:buClrTx/>
+                        <a:buSzTx/>
+                        <a:buFontTx/>
+                        <a:buNone/>
+                        <a:tabLst/>
+                      </a:pPr>
+                      <a:r>
+                        <a:rPr kumimoji="1" lang="ja-JP" altLang="en-US" sz="1200" b="0" i="0" u="none" strike="noStrike" cap="none" normalizeH="0" baseline="0" dirty="0" smtClean="0">
+                          <a:ln>
+                            <a:noFill/>
+                          </a:ln>
+                          <a:solidFill>
+                            <a:schemeClr val="tx1"/>
+                          </a:solidFill>
+                          <a:effectLst/>
+                          <a:latin typeface="ＭＳ Ｐゴシック" panose="020B0600070205080204" pitchFamily="50" charset="-128"/>
+                          <a:ea typeface="ＭＳ Ｐゴシック" panose="020B0600070205080204" pitchFamily="50" charset="-128"/>
+                        </a:rPr>
+                        <a:t>　２</a:t>
+                      </a:r>
+                      <a:r>
+                        <a:rPr kumimoji="1" lang="en-US" altLang="ja-JP" sz="1200" b="0" i="0" u="none" strike="noStrike" cap="none" normalizeH="0" baseline="0" dirty="0" smtClean="0">
+                          <a:ln>
+                            <a:noFill/>
+                          </a:ln>
+                          <a:solidFill>
+                            <a:schemeClr val="tx1"/>
+                          </a:solidFill>
+                          <a:effectLst/>
+                          <a:latin typeface="ＭＳ Ｐゴシック" panose="020B0600070205080204" pitchFamily="50" charset="-128"/>
+                          <a:ea typeface="ＭＳ Ｐゴシック" panose="020B0600070205080204" pitchFamily="50" charset="-128"/>
+                        </a:rPr>
+                        <a:t>D</a:t>
+                      </a:r>
+                      <a:r>
+                        <a:rPr kumimoji="1" lang="ja-JP" altLang="en-US" sz="1200" b="0" i="0" u="none" strike="noStrike" cap="none" normalizeH="0" baseline="0" dirty="0" smtClean="0">
+                          <a:ln>
+                            <a:noFill/>
+                          </a:ln>
+                          <a:solidFill>
+                            <a:schemeClr val="tx1"/>
+                          </a:solidFill>
+                          <a:effectLst/>
+                          <a:latin typeface="ＭＳ Ｐゴシック" panose="020B0600070205080204" pitchFamily="50" charset="-128"/>
+                          <a:ea typeface="ＭＳ Ｐゴシック" panose="020B0600070205080204" pitchFamily="50" charset="-128"/>
+                        </a:rPr>
+                        <a:t>アクションゲーム</a:t>
+                      </a:r>
+                      <a:endParaRPr kumimoji="1" lang="en-US" altLang="ja-JP" sz="1200" b="0" i="0" u="none" strike="noStrike" cap="none" normalizeH="0" baseline="0" dirty="0" smtClean="0">
+                        <a:ln>
+                          <a:noFill/>
+                        </a:ln>
+                        <a:solidFill>
+                          <a:schemeClr val="tx1"/>
+                        </a:solidFill>
+                        <a:effectLst/>
+                        <a:latin typeface="ＭＳ Ｐゴシック" panose="020B0600070205080204" pitchFamily="50" charset="-128"/>
+                        <a:ea typeface="ＭＳ Ｐゴシック" panose="020B0600070205080204" pitchFamily="50" charset="-128"/>
+                      </a:endParaRPr>
+                    </a:p>
+                    <a:p>
+                      <a:pPr marL="0" marR="0" lvl="0" indent="0" algn="l" defTabSz="914400" rtl="0" eaLnBrk="1" fontAlgn="base" latinLnBrk="0" hangingPunct="1">
+                        <a:lnSpc>
+                          <a:spcPct val="100000"/>
+                        </a:lnSpc>
+                        <a:spcBef>
+                          <a:spcPct val="20000"/>
+                        </a:spcBef>
+                        <a:spcAft>
+                          <a:spcPct val="0"/>
+                        </a:spcAft>
+                        <a:buClrTx/>
+                        <a:buSzTx/>
+                        <a:buFontTx/>
+                        <a:buNone/>
+                        <a:tabLst/>
+                      </a:pPr>
+                      <a:r>
+                        <a:rPr kumimoji="1" lang="ja-JP" altLang="en-US" sz="1200" b="0" i="0" u="none" strike="noStrike" cap="none" normalizeH="0" baseline="0" dirty="0" smtClean="0">
+                          <a:ln>
+                            <a:noFill/>
+                          </a:ln>
+                          <a:solidFill>
+                            <a:schemeClr val="tx1"/>
+                          </a:solidFill>
+                          <a:effectLst/>
+                          <a:latin typeface="ＭＳ Ｐゴシック" panose="020B0600070205080204" pitchFamily="50" charset="-128"/>
+                          <a:ea typeface="ＭＳ Ｐゴシック" panose="020B0600070205080204" pitchFamily="50" charset="-128"/>
+                        </a:rPr>
+                        <a:t>・</a:t>
+                      </a:r>
+                      <a:r>
+                        <a:rPr kumimoji="1" lang="ja-JP" altLang="en-US" sz="1200" b="0" i="0" u="sng" strike="noStrike" cap="none" normalizeH="0" baseline="0" dirty="0" smtClean="0">
+                          <a:ln>
+                            <a:noFill/>
+                          </a:ln>
+                          <a:solidFill>
+                            <a:schemeClr val="tx1"/>
+                          </a:solidFill>
+                          <a:effectLst/>
+                          <a:latin typeface="ＭＳ Ｐゴシック" panose="020B0600070205080204" pitchFamily="50" charset="-128"/>
+                          <a:ea typeface="ＭＳ Ｐゴシック" panose="020B0600070205080204" pitchFamily="50" charset="-128"/>
+                        </a:rPr>
+                        <a:t>対象年齢</a:t>
+                      </a:r>
+                      <a:endParaRPr kumimoji="1" lang="en-US" altLang="ja-JP" sz="1200" b="0" i="0" u="sng" strike="noStrike" cap="none" normalizeH="0" baseline="0" dirty="0" smtClean="0">
+                        <a:ln>
+                          <a:noFill/>
+                        </a:ln>
+                        <a:solidFill>
+                          <a:schemeClr val="tx1"/>
+                        </a:solidFill>
+                        <a:effectLst/>
+                        <a:latin typeface="ＭＳ Ｐゴシック" panose="020B0600070205080204" pitchFamily="50" charset="-128"/>
+                        <a:ea typeface="ＭＳ Ｐゴシック" panose="020B0600070205080204" pitchFamily="50" charset="-128"/>
+                      </a:endParaRPr>
+                    </a:p>
+                    <a:p>
+                      <a:pPr marL="0" marR="0" lvl="0" indent="0" algn="l" defTabSz="914400" rtl="0" eaLnBrk="1" fontAlgn="base" latinLnBrk="0" hangingPunct="1">
+                        <a:lnSpc>
+                          <a:spcPct val="100000"/>
+                        </a:lnSpc>
+                        <a:spcBef>
+                          <a:spcPct val="20000"/>
+                        </a:spcBef>
+                        <a:spcAft>
+                          <a:spcPct val="0"/>
+                        </a:spcAft>
+                        <a:buClrTx/>
+                        <a:buSzTx/>
+                        <a:buFontTx/>
+                        <a:buNone/>
+                        <a:tabLst/>
+                      </a:pPr>
+                      <a:r>
+                        <a:rPr kumimoji="1" lang="ja-JP" altLang="en-US" sz="1200" b="0" i="0" u="none" strike="noStrike" cap="none" normalizeH="0" baseline="0" dirty="0" smtClean="0">
+                          <a:ln>
+                            <a:noFill/>
+                          </a:ln>
+                          <a:solidFill>
+                            <a:schemeClr val="tx1"/>
+                          </a:solidFill>
+                          <a:effectLst/>
+                          <a:latin typeface="ＭＳ Ｐゴシック" panose="020B0600070205080204" pitchFamily="50" charset="-128"/>
+                          <a:ea typeface="ＭＳ Ｐゴシック" panose="020B0600070205080204" pitchFamily="50" charset="-128"/>
+                        </a:rPr>
+                        <a:t>　全年齢</a:t>
+                      </a:r>
+                      <a:endParaRPr kumimoji="1" lang="en-US" altLang="ja-JP" sz="1200" b="0" i="0" u="none" strike="noStrike" cap="none" normalizeH="0" baseline="0" dirty="0" smtClean="0">
+                        <a:ln>
+                          <a:noFill/>
+                        </a:ln>
+                        <a:solidFill>
+                          <a:schemeClr val="tx1"/>
+                        </a:solidFill>
+                        <a:effectLst/>
+                        <a:latin typeface="ＭＳ Ｐゴシック" panose="020B0600070205080204" pitchFamily="50" charset="-128"/>
+                        <a:ea typeface="ＭＳ Ｐゴシック" panose="020B0600070205080204" pitchFamily="50" charset="-128"/>
+                      </a:endParaRPr>
+                    </a:p>
+                    <a:p>
+                      <a:pPr marL="0" marR="0" lvl="0" indent="0" algn="l" defTabSz="914400" rtl="0" eaLnBrk="1" fontAlgn="base" latinLnBrk="0" hangingPunct="1">
+                        <a:lnSpc>
+                          <a:spcPct val="100000"/>
+                        </a:lnSpc>
+                        <a:spcBef>
+                          <a:spcPct val="20000"/>
+                        </a:spcBef>
+                        <a:spcAft>
+                          <a:spcPct val="0"/>
+                        </a:spcAft>
+                        <a:buClrTx/>
+                        <a:buSzTx/>
+                        <a:buFontTx/>
+                        <a:buNone/>
+                        <a:tabLst/>
+                      </a:pPr>
+                      <a:endParaRPr kumimoji="1" lang="en-US" altLang="ja-JP" sz="1200" b="0" i="0" u="none" strike="noStrike" cap="none" normalizeH="0" baseline="0" dirty="0" smtClean="0">
+                        <a:ln>
+                          <a:noFill/>
+                        </a:ln>
+                        <a:solidFill>
+                          <a:schemeClr val="tx1"/>
+                        </a:solidFill>
+                        <a:effectLst/>
+                        <a:latin typeface="ＭＳ Ｐゴシック" panose="020B0600070205080204" pitchFamily="50" charset="-128"/>
+                        <a:ea typeface="ＭＳ Ｐゴシック" panose="020B0600070205080204" pitchFamily="50" charset="-128"/>
+                      </a:endParaRPr>
+                    </a:p>
+                    <a:p>
+                      <a:pPr marL="0" marR="0" lvl="0" indent="0" algn="l" defTabSz="914400" rtl="0" eaLnBrk="1" fontAlgn="base" latinLnBrk="0" hangingPunct="1">
+                        <a:lnSpc>
+                          <a:spcPct val="100000"/>
+                        </a:lnSpc>
+                        <a:spcBef>
+                          <a:spcPct val="20000"/>
+                        </a:spcBef>
+                        <a:spcAft>
+                          <a:spcPct val="0"/>
+                        </a:spcAft>
+                        <a:buClrTx/>
+                        <a:buSzTx/>
+                        <a:buFontTx/>
+                        <a:buNone/>
+                        <a:tabLst/>
+                      </a:pPr>
                       <a:endParaRPr kumimoji="1" lang="en-US" altLang="ja-JP" sz="1200" b="0" i="0" u="none" strike="noStrike" cap="none" normalizeH="0" baseline="0" dirty="0" smtClean="0">
                         <a:ln>
                           <a:noFill/>
@@ -6629,6 +7133,88 @@
                         <a:ea typeface="ＭＳ Ｐゴシック" panose="020B0600070205080204" pitchFamily="50" charset="-128"/>
                       </a:endParaRPr>
                     </a:p>
+                    <a:p>
+                      <a:pPr marL="0" marR="0" lvl="0" indent="0" algn="l" defTabSz="914400" rtl="0" eaLnBrk="1" fontAlgn="base" latinLnBrk="0" hangingPunct="1">
+                        <a:lnSpc>
+                          <a:spcPct val="100000"/>
+                        </a:lnSpc>
+                        <a:spcBef>
+                          <a:spcPct val="20000"/>
+                        </a:spcBef>
+                        <a:spcAft>
+                          <a:spcPct val="0"/>
+                        </a:spcAft>
+                        <a:buClrTx/>
+                        <a:buSzTx/>
+                        <a:buFontTx/>
+                        <a:buNone/>
+                        <a:tabLst/>
+                      </a:pPr>
+                      <a:endParaRPr kumimoji="1" lang="en-US" altLang="ja-JP" sz="1200" b="0" i="0" u="none" strike="noStrike" cap="none" normalizeH="0" baseline="0" dirty="0" smtClean="0">
+                        <a:ln>
+                          <a:noFill/>
+                        </a:ln>
+                        <a:solidFill>
+                          <a:schemeClr val="tx1"/>
+                        </a:solidFill>
+                        <a:effectLst/>
+                        <a:latin typeface="ＭＳ Ｐゴシック" panose="020B0600070205080204" pitchFamily="50" charset="-128"/>
+                        <a:ea typeface="ＭＳ Ｐゴシック" panose="020B0600070205080204" pitchFamily="50" charset="-128"/>
+                      </a:endParaRPr>
+                    </a:p>
+                  </a:txBody>
+                  <a:tcPr horzOverflow="overflow">
+                    <a:lnL w="12700" cap="flat" cmpd="sng" algn="ctr">
+                      <a:solidFill>
+                        <a:schemeClr val="tx1"/>
+                      </a:solidFill>
+                      <a:prstDash val="solid"/>
+                      <a:round/>
+                      <a:headEnd type="none" w="med" len="med"/>
+                      <a:tailEnd type="none" w="med" len="med"/>
+                    </a:lnL>
+                    <a:lnR w="12700" cap="flat" cmpd="sng" algn="ctr">
+                      <a:solidFill>
+                        <a:schemeClr val="tx1"/>
+                      </a:solidFill>
+                      <a:prstDash val="solid"/>
+                      <a:round/>
+                      <a:headEnd type="none" w="med" len="med"/>
+                      <a:tailEnd type="none" w="med" len="med"/>
+                    </a:lnR>
+                    <a:lnT w="12700" cap="flat" cmpd="sng" algn="ctr">
+                      <a:solidFill>
+                        <a:schemeClr val="tx1"/>
+                      </a:solidFill>
+                      <a:prstDash val="solid"/>
+                      <a:round/>
+                      <a:headEnd type="none" w="med" len="med"/>
+                      <a:tailEnd type="none" w="med" len="med"/>
+                    </a:lnT>
+                    <a:lnB w="12700" cap="flat" cmpd="sng" algn="ctr">
+                      <a:solidFill>
+                        <a:schemeClr val="tx1"/>
+                      </a:solidFill>
+                      <a:prstDash val="solid"/>
+                      <a:round/>
+                      <a:headEnd type="none" w="med" len="med"/>
+                      <a:tailEnd type="none" w="med" len="med"/>
+                    </a:lnB>
+                    <a:lnTlToBr>
+                      <a:noFill/>
+                    </a:lnTlToBr>
+                    <a:lnBlToTr>
+                      <a:noFill/>
+                    </a:lnBlToTr>
+                    <a:noFill/>
+                  </a:tcPr>
+                </a:tc>
+              </a:tr>
+              <a:tr h="7056784">
+                <a:tc>
+                  <a:txBody>
+                    <a:bodyPr/>
+                    <a:lstStyle/>
                     <a:p>
                       <a:pPr marL="0" marR="0" lvl="0" indent="0" algn="l" defTabSz="914400" rtl="0" eaLnBrk="1" fontAlgn="base" latinLnBrk="0" hangingPunct="1">
                         <a:lnSpc>
@@ -6710,6 +7296,36 @@
           </a:graphicData>
         </a:graphic>
       </p:graphicFrame>
+      <p:pic>
+        <p:nvPicPr>
+          <p:cNvPr id="2" name="図 1"/>
+          <p:cNvPicPr>
+            <a:picLocks noChangeAspect="1"/>
+          </p:cNvPicPr>
+          <p:nvPr/>
+        </p:nvPicPr>
+        <p:blipFill>
+          <a:blip r:embed="rId2">
+            <a:extLst>
+              <a:ext uri="{28A0092B-C50C-407E-A947-70E740481C1C}">
+                <a14:useLocalDpi xmlns:a14="http://schemas.microsoft.com/office/drawing/2010/main" val="0"/>
+              </a:ext>
+            </a:extLst>
+          </a:blip>
+          <a:stretch>
+            <a:fillRect/>
+          </a:stretch>
+        </p:blipFill>
+        <p:spPr>
+          <a:xfrm>
+            <a:off x="1566540" y="2970237"/>
+            <a:ext cx="3594504" cy="1586075"/>
+          </a:xfrm>
+          <a:prstGeom prst="rect">
+            <a:avLst/>
+          </a:prstGeom>
+        </p:spPr>
+      </p:pic>
     </p:spTree>
   </p:cSld>
   <p:clrMapOvr>

--- a/1_作品紹介フォーマット2019/1_作品紹介フォーマット2019.pptx
+++ b/1_作品紹介フォーマット2019/1_作品紹介フォーマット2019.pptx
@@ -5252,14 +5252,14 @@
           <p:nvPr>
             <p:extLst>
               <p:ext uri="{D42A27DB-BD31-4B8C-83A1-F6EECF244321}">
-                <p14:modId xmlns:p14="http://schemas.microsoft.com/office/powerpoint/2010/main" val="144903253"/>
+                <p14:modId xmlns:p14="http://schemas.microsoft.com/office/powerpoint/2010/main" val="1202180227"/>
               </p:ext>
             </p:extLst>
           </p:nvPr>
         </p:nvGraphicFramePr>
         <p:xfrm>
-          <a:off x="127000" y="2250157"/>
-          <a:ext cx="6697663" cy="18230752"/>
+          <a:off x="127000" y="2250158"/>
+          <a:ext cx="6697663" cy="14750539"/>
         </p:xfrm>
         <a:graphic>
           <a:graphicData uri="http://schemas.openxmlformats.org/drawingml/2006/table">
@@ -5268,7 +5268,7 @@
               <a:tblGrid>
                 <a:gridCol w="6697663"/>
               </a:tblGrid>
-              <a:tr h="7056784">
+              <a:tr h="7344815">
                 <a:tc>
                   <a:txBody>
                     <a:bodyPr/>
@@ -5833,8 +5833,8 @@
                             <a:schemeClr val="tx1"/>
                           </a:solidFill>
                           <a:effectLst/>
-                          <a:latin typeface="ＭＳ Ｐゴシック" panose="020B0600070205080204" pitchFamily="50" charset="-128"/>
-                          <a:ea typeface="ＭＳ Ｐゴシック" panose="020B0600070205080204" pitchFamily="50" charset="-128"/>
+                          <a:latin typeface="HG丸ｺﾞｼｯｸM-PRO" panose="020F0600000000000000" pitchFamily="50" charset="-128"/>
+                          <a:ea typeface="HG丸ｺﾞｼｯｸM-PRO" panose="020F0600000000000000" pitchFamily="50" charset="-128"/>
                         </a:rPr>
                         <a:t>・</a:t>
                       </a:r>
@@ -5847,8 +5847,8 @@
                             <a:schemeClr val="tx1"/>
                           </a:solidFill>
                           <a:effectLst/>
-                          <a:latin typeface="ＭＳ Ｐゴシック" panose="020B0600070205080204" pitchFamily="50" charset="-128"/>
-                          <a:ea typeface="ＭＳ Ｐゴシック" panose="020B0600070205080204" pitchFamily="50" charset="-128"/>
+                          <a:latin typeface="HG丸ｺﾞｼｯｸM-PRO" panose="020F0600000000000000" pitchFamily="50" charset="-128"/>
+                          <a:ea typeface="HG丸ｺﾞｼｯｸM-PRO" panose="020F0600000000000000" pitchFamily="50" charset="-128"/>
                         </a:rPr>
                         <a:t>ジャンル</a:t>
                       </a:r>
@@ -5860,8 +5860,8 @@
                           <a:schemeClr val="tx1"/>
                         </a:solidFill>
                         <a:effectLst/>
-                        <a:latin typeface="ＭＳ Ｐゴシック" panose="020B0600070205080204" pitchFamily="50" charset="-128"/>
-                        <a:ea typeface="ＭＳ Ｐゴシック" panose="020B0600070205080204" pitchFamily="50" charset="-128"/>
+                        <a:latin typeface="HG丸ｺﾞｼｯｸM-PRO" panose="020F0600000000000000" pitchFamily="50" charset="-128"/>
+                        <a:ea typeface="HG丸ｺﾞｼｯｸM-PRO" panose="020F0600000000000000" pitchFamily="50" charset="-128"/>
                       </a:endParaRPr>
                     </a:p>
                     <a:p>
@@ -5890,8 +5890,8 @@
                             <a:schemeClr val="tx1"/>
                           </a:solidFill>
                           <a:effectLst/>
-                          <a:latin typeface="ＭＳ Ｐゴシック" panose="020B0600070205080204" pitchFamily="50" charset="-128"/>
-                          <a:ea typeface="ＭＳ Ｐゴシック" panose="020B0600070205080204" pitchFamily="50" charset="-128"/>
+                          <a:latin typeface="HG丸ｺﾞｼｯｸM-PRO" panose="020F0600000000000000" pitchFamily="50" charset="-128"/>
+                          <a:ea typeface="HG丸ｺﾞｼｯｸM-PRO" panose="020F0600000000000000" pitchFamily="50" charset="-128"/>
                         </a:rPr>
                         <a:t>　２</a:t>
                       </a:r>
@@ -5904,8 +5904,8 @@
                             <a:schemeClr val="tx1"/>
                           </a:solidFill>
                           <a:effectLst/>
-                          <a:latin typeface="ＭＳ Ｐゴシック" panose="020B0600070205080204" pitchFamily="50" charset="-128"/>
-                          <a:ea typeface="ＭＳ Ｐゴシック" panose="020B0600070205080204" pitchFamily="50" charset="-128"/>
+                          <a:latin typeface="HG丸ｺﾞｼｯｸM-PRO" panose="020F0600000000000000" pitchFamily="50" charset="-128"/>
+                          <a:ea typeface="HG丸ｺﾞｼｯｸM-PRO" panose="020F0600000000000000" pitchFamily="50" charset="-128"/>
                         </a:rPr>
                         <a:t>D</a:t>
                       </a:r>
@@ -5918,8 +5918,8 @@
                             <a:schemeClr val="tx1"/>
                           </a:solidFill>
                           <a:effectLst/>
-                          <a:latin typeface="ＭＳ Ｐゴシック" panose="020B0600070205080204" pitchFamily="50" charset="-128"/>
-                          <a:ea typeface="ＭＳ Ｐゴシック" panose="020B0600070205080204" pitchFamily="50" charset="-128"/>
+                          <a:latin typeface="HG丸ｺﾞｼｯｸM-PRO" panose="020F0600000000000000" pitchFamily="50" charset="-128"/>
+                          <a:ea typeface="HG丸ｺﾞｼｯｸM-PRO" panose="020F0600000000000000" pitchFamily="50" charset="-128"/>
                         </a:rPr>
                         <a:t>アクションゲーム</a:t>
                       </a:r>
@@ -5931,8 +5931,8 @@
                           <a:schemeClr val="tx1"/>
                         </a:solidFill>
                         <a:effectLst/>
-                        <a:latin typeface="ＭＳ Ｐゴシック" panose="020B0600070205080204" pitchFamily="50" charset="-128"/>
-                        <a:ea typeface="ＭＳ Ｐゴシック" panose="020B0600070205080204" pitchFamily="50" charset="-128"/>
+                        <a:latin typeface="HG丸ｺﾞｼｯｸM-PRO" panose="020F0600000000000000" pitchFamily="50" charset="-128"/>
+                        <a:ea typeface="HG丸ｺﾞｼｯｸM-PRO" panose="020F0600000000000000" pitchFamily="50" charset="-128"/>
                       </a:endParaRPr>
                     </a:p>
                     <a:p>
@@ -5961,8 +5961,8 @@
                             <a:schemeClr val="tx1"/>
                           </a:solidFill>
                           <a:effectLst/>
-                          <a:latin typeface="ＭＳ Ｐゴシック" panose="020B0600070205080204" pitchFamily="50" charset="-128"/>
-                          <a:ea typeface="ＭＳ Ｐゴシック" panose="020B0600070205080204" pitchFamily="50" charset="-128"/>
+                          <a:latin typeface="HG丸ｺﾞｼｯｸM-PRO" panose="020F0600000000000000" pitchFamily="50" charset="-128"/>
+                          <a:ea typeface="HG丸ｺﾞｼｯｸM-PRO" panose="020F0600000000000000" pitchFamily="50" charset="-128"/>
                         </a:rPr>
                         <a:t>・</a:t>
                       </a:r>
@@ -5975,8 +5975,8 @@
                             <a:schemeClr val="tx1"/>
                           </a:solidFill>
                           <a:effectLst/>
-                          <a:latin typeface="ＭＳ Ｐゴシック" panose="020B0600070205080204" pitchFamily="50" charset="-128"/>
-                          <a:ea typeface="ＭＳ Ｐゴシック" panose="020B0600070205080204" pitchFamily="50" charset="-128"/>
+                          <a:latin typeface="HG丸ｺﾞｼｯｸM-PRO" panose="020F0600000000000000" pitchFamily="50" charset="-128"/>
+                          <a:ea typeface="HG丸ｺﾞｼｯｸM-PRO" panose="020F0600000000000000" pitchFamily="50" charset="-128"/>
                         </a:rPr>
                         <a:t>対象年齢</a:t>
                       </a:r>
@@ -5988,8 +5988,8 @@
                           <a:schemeClr val="tx1"/>
                         </a:solidFill>
                         <a:effectLst/>
-                        <a:latin typeface="ＭＳ Ｐゴシック" panose="020B0600070205080204" pitchFamily="50" charset="-128"/>
-                        <a:ea typeface="ＭＳ Ｐゴシック" panose="020B0600070205080204" pitchFamily="50" charset="-128"/>
+                        <a:latin typeface="HG丸ｺﾞｼｯｸM-PRO" panose="020F0600000000000000" pitchFamily="50" charset="-128"/>
+                        <a:ea typeface="HG丸ｺﾞｼｯｸM-PRO" panose="020F0600000000000000" pitchFamily="50" charset="-128"/>
                       </a:endParaRPr>
                     </a:p>
                     <a:p>
@@ -6018,10 +6018,24 @@
                             <a:schemeClr val="tx1"/>
                           </a:solidFill>
                           <a:effectLst/>
-                          <a:latin typeface="ＭＳ Ｐゴシック" panose="020B0600070205080204" pitchFamily="50" charset="-128"/>
-                          <a:ea typeface="ＭＳ Ｐゴシック" panose="020B0600070205080204" pitchFamily="50" charset="-128"/>
+                          <a:latin typeface="HG丸ｺﾞｼｯｸM-PRO" panose="020F0600000000000000" pitchFamily="50" charset="-128"/>
+                          <a:ea typeface="HG丸ｺﾞｼｯｸM-PRO" panose="020F0600000000000000" pitchFamily="50" charset="-128"/>
                         </a:rPr>
-                        <a:t>　全年齢</a:t>
+                        <a:t>　</a:t>
+                      </a:r>
+                      <a:r>
+                        <a:rPr kumimoji="1" lang="ja-JP" altLang="en-US" sz="1200" b="0" i="0" u="none" strike="noStrike" cap="none" normalizeH="0" baseline="0" dirty="0" smtClean="0">
+                          <a:ln>
+                            <a:noFill/>
+                          </a:ln>
+                          <a:solidFill>
+                            <a:schemeClr val="tx1"/>
+                          </a:solidFill>
+                          <a:effectLst/>
+                          <a:latin typeface="HG丸ｺﾞｼｯｸM-PRO" panose="020F0600000000000000" pitchFamily="50" charset="-128"/>
+                          <a:ea typeface="HG丸ｺﾞｼｯｸM-PRO" panose="020F0600000000000000" pitchFamily="50" charset="-128"/>
+                        </a:rPr>
+                        <a:t>全年齢</a:t>
                       </a:r>
                       <a:endParaRPr kumimoji="1" lang="en-US" altLang="ja-JP" sz="1200" b="0" i="0" u="none" strike="noStrike" cap="none" normalizeH="0" baseline="0" dirty="0" smtClean="0">
                         <a:ln>
@@ -6031,8 +6045,136 @@
                           <a:schemeClr val="tx1"/>
                         </a:solidFill>
                         <a:effectLst/>
-                        <a:latin typeface="ＭＳ Ｐゴシック" panose="020B0600070205080204" pitchFamily="50" charset="-128"/>
-                        <a:ea typeface="ＭＳ Ｐゴシック" panose="020B0600070205080204" pitchFamily="50" charset="-128"/>
+                        <a:latin typeface="HG丸ｺﾞｼｯｸM-PRO" panose="020F0600000000000000" pitchFamily="50" charset="-128"/>
+                        <a:ea typeface="HG丸ｺﾞｼｯｸM-PRO" panose="020F0600000000000000" pitchFamily="50" charset="-128"/>
+                      </a:endParaRPr>
+                    </a:p>
+                    <a:p>
+                      <a:pPr marL="0" marR="0" lvl="0" indent="0" algn="l" defTabSz="914400" rtl="0" eaLnBrk="1" fontAlgn="base" latinLnBrk="0" hangingPunct="1">
+                        <a:lnSpc>
+                          <a:spcPct val="100000"/>
+                        </a:lnSpc>
+                        <a:spcBef>
+                          <a:spcPct val="20000"/>
+                        </a:spcBef>
+                        <a:spcAft>
+                          <a:spcPct val="0"/>
+                        </a:spcAft>
+                        <a:buClrTx/>
+                        <a:buSzTx/>
+                        <a:buFontTx/>
+                        <a:buNone/>
+                        <a:tabLst/>
+                      </a:pPr>
+                      <a:r>
+                        <a:rPr kumimoji="1" lang="ja-JP" altLang="en-US" sz="1200" b="0" i="0" u="none" strike="noStrike" cap="none" normalizeH="0" baseline="0" dirty="0" smtClean="0">
+                          <a:ln>
+                            <a:noFill/>
+                          </a:ln>
+                          <a:solidFill>
+                            <a:schemeClr val="tx1"/>
+                          </a:solidFill>
+                          <a:effectLst/>
+                          <a:latin typeface="HG丸ｺﾞｼｯｸM-PRO" panose="020F0600000000000000" pitchFamily="50" charset="-128"/>
+                          <a:ea typeface="HG丸ｺﾞｼｯｸM-PRO" panose="020F0600000000000000" pitchFamily="50" charset="-128"/>
+                        </a:rPr>
+                        <a:t>・</a:t>
+                      </a:r>
+                      <a:r>
+                        <a:rPr kumimoji="1" lang="ja-JP" altLang="en-US" sz="1200" b="0" i="0" u="sng" strike="noStrike" cap="none" normalizeH="0" baseline="0" dirty="0" smtClean="0">
+                          <a:ln>
+                            <a:noFill/>
+                          </a:ln>
+                          <a:solidFill>
+                            <a:schemeClr val="tx1"/>
+                          </a:solidFill>
+                          <a:effectLst/>
+                          <a:latin typeface="HG丸ｺﾞｼｯｸM-PRO" panose="020F0600000000000000" pitchFamily="50" charset="-128"/>
+                          <a:ea typeface="HG丸ｺﾞｼｯｸM-PRO" panose="020F0600000000000000" pitchFamily="50" charset="-128"/>
+                        </a:rPr>
+                        <a:t>プレイ人数</a:t>
+                      </a:r>
+                      <a:endParaRPr kumimoji="1" lang="en-US" altLang="ja-JP" sz="1200" b="0" i="0" u="sng" strike="noStrike" cap="none" normalizeH="0" baseline="0" dirty="0" smtClean="0">
+                        <a:ln>
+                          <a:noFill/>
+                        </a:ln>
+                        <a:solidFill>
+                          <a:schemeClr val="tx1"/>
+                        </a:solidFill>
+                        <a:effectLst/>
+                        <a:latin typeface="HG丸ｺﾞｼｯｸM-PRO" panose="020F0600000000000000" pitchFamily="50" charset="-128"/>
+                        <a:ea typeface="HG丸ｺﾞｼｯｸM-PRO" panose="020F0600000000000000" pitchFamily="50" charset="-128"/>
+                      </a:endParaRPr>
+                    </a:p>
+                    <a:p>
+                      <a:pPr marL="0" marR="0" lvl="0" indent="0" algn="l" defTabSz="914400" rtl="0" eaLnBrk="1" fontAlgn="base" latinLnBrk="0" hangingPunct="1">
+                        <a:lnSpc>
+                          <a:spcPct val="100000"/>
+                        </a:lnSpc>
+                        <a:spcBef>
+                          <a:spcPct val="20000"/>
+                        </a:spcBef>
+                        <a:spcAft>
+                          <a:spcPct val="0"/>
+                        </a:spcAft>
+                        <a:buClrTx/>
+                        <a:buSzTx/>
+                        <a:buFontTx/>
+                        <a:buNone/>
+                        <a:tabLst/>
+                      </a:pPr>
+                      <a:r>
+                        <a:rPr kumimoji="1" lang="ja-JP" altLang="en-US" sz="1200" b="0" i="0" u="none" strike="noStrike" cap="none" normalizeH="0" baseline="0" dirty="0" smtClean="0">
+                          <a:ln>
+                            <a:noFill/>
+                          </a:ln>
+                          <a:solidFill>
+                            <a:schemeClr val="tx1"/>
+                          </a:solidFill>
+                          <a:effectLst/>
+                          <a:latin typeface="HG丸ｺﾞｼｯｸM-PRO" panose="020F0600000000000000" pitchFamily="50" charset="-128"/>
+                          <a:ea typeface="HG丸ｺﾞｼｯｸM-PRO" panose="020F0600000000000000" pitchFamily="50" charset="-128"/>
+                        </a:rPr>
+                        <a:t>　</a:t>
+                      </a:r>
+                      <a:r>
+                        <a:rPr kumimoji="1" lang="en-US" altLang="ja-JP" sz="1200" b="0" i="0" u="none" strike="noStrike" cap="none" normalizeH="0" baseline="0" dirty="0" smtClean="0">
+                          <a:ln>
+                            <a:noFill/>
+                          </a:ln>
+                          <a:solidFill>
+                            <a:schemeClr val="tx1"/>
+                          </a:solidFill>
+                          <a:effectLst/>
+                          <a:latin typeface="HG丸ｺﾞｼｯｸM-PRO" panose="020F0600000000000000" pitchFamily="50" charset="-128"/>
+                          <a:ea typeface="HG丸ｺﾞｼｯｸM-PRO" panose="020F0600000000000000" pitchFamily="50" charset="-128"/>
+                        </a:rPr>
+                        <a:t>1</a:t>
+                      </a:r>
+                      <a:r>
+                        <a:rPr kumimoji="1" lang="ja-JP" altLang="en-US" sz="1200" b="0" i="0" u="none" strike="noStrike" cap="none" normalizeH="0" baseline="0" dirty="0" smtClean="0">
+                          <a:ln>
+                            <a:noFill/>
+                          </a:ln>
+                          <a:solidFill>
+                            <a:schemeClr val="tx1"/>
+                          </a:solidFill>
+                          <a:effectLst/>
+                          <a:latin typeface="HG丸ｺﾞｼｯｸM-PRO" panose="020F0600000000000000" pitchFamily="50" charset="-128"/>
+                          <a:ea typeface="HG丸ｺﾞｼｯｸM-PRO" panose="020F0600000000000000" pitchFamily="50" charset="-128"/>
+                        </a:rPr>
+                        <a:t>人</a:t>
+                      </a:r>
+                      <a:endParaRPr kumimoji="1" lang="en-US" altLang="ja-JP" sz="1200" b="0" i="0" u="none" strike="noStrike" cap="none" normalizeH="0" baseline="0" dirty="0" smtClean="0">
+                        <a:ln>
+                          <a:noFill/>
+                        </a:ln>
+                        <a:solidFill>
+                          <a:schemeClr val="tx1"/>
+                        </a:solidFill>
+                        <a:effectLst/>
+                        <a:latin typeface="HG丸ｺﾞｼｯｸM-PRO" panose="020F0600000000000000" pitchFamily="50" charset="-128"/>
+                        <a:ea typeface="HG丸ｺﾞｼｯｸM-PRO" panose="020F0600000000000000" pitchFamily="50" charset="-128"/>
                       </a:endParaRPr>
                     </a:p>
                     <a:p>
@@ -6060,8 +6202,79 @@
                           <a:schemeClr val="tx1"/>
                         </a:solidFill>
                         <a:effectLst/>
-                        <a:latin typeface="ＭＳ Ｐゴシック" panose="020B0600070205080204" pitchFamily="50" charset="-128"/>
-                        <a:ea typeface="ＭＳ Ｐゴシック" panose="020B0600070205080204" pitchFamily="50" charset="-128"/>
+                        <a:latin typeface="HG丸ｺﾞｼｯｸM-PRO" panose="020F0600000000000000" pitchFamily="50" charset="-128"/>
+                        <a:ea typeface="HG丸ｺﾞｼｯｸM-PRO" panose="020F0600000000000000" pitchFamily="50" charset="-128"/>
+                      </a:endParaRPr>
+                    </a:p>
+                    <a:p>
+                      <a:pPr marL="0" marR="0" lvl="0" indent="0" algn="l" defTabSz="914400" rtl="0" eaLnBrk="1" fontAlgn="base" latinLnBrk="0" hangingPunct="1">
+                        <a:lnSpc>
+                          <a:spcPct val="100000"/>
+                        </a:lnSpc>
+                        <a:spcBef>
+                          <a:spcPct val="20000"/>
+                        </a:spcBef>
+                        <a:spcAft>
+                          <a:spcPct val="0"/>
+                        </a:spcAft>
+                        <a:buClrTx/>
+                        <a:buSzTx/>
+                        <a:buFontTx/>
+                        <a:buNone/>
+                        <a:tabLst/>
+                      </a:pPr>
+                      <a:r>
+                        <a:rPr kumimoji="1" lang="ja-JP" altLang="en-US" sz="1200" b="0" i="0" u="none" strike="noStrike" cap="none" normalizeH="0" baseline="0" dirty="0" smtClean="0">
+                          <a:ln>
+                            <a:noFill/>
+                          </a:ln>
+                          <a:solidFill>
+                            <a:schemeClr val="tx1"/>
+                          </a:solidFill>
+                          <a:effectLst/>
+                          <a:latin typeface="HG丸ｺﾞｼｯｸM-PRO" panose="020F0600000000000000" pitchFamily="50" charset="-128"/>
+                          <a:ea typeface="HG丸ｺﾞｼｯｸM-PRO" panose="020F0600000000000000" pitchFamily="50" charset="-128"/>
+                        </a:rPr>
+                        <a:t>今回のテーマ「☆」は</a:t>
+                      </a:r>
+                      <a:r>
+                        <a:rPr kumimoji="1" lang="ja-JP" altLang="en-US" sz="1200" b="0" i="0" u="sng" strike="noStrike" cap="none" normalizeH="0" baseline="0" dirty="0" smtClean="0">
+                          <a:ln>
+                            <a:noFill/>
+                          </a:ln>
+                          <a:solidFill>
+                            <a:schemeClr val="tx1"/>
+                          </a:solidFill>
+                          <a:effectLst/>
+                          <a:latin typeface="HG丸ｺﾞｼｯｸM-PRO" panose="020F0600000000000000" pitchFamily="50" charset="-128"/>
+                          <a:ea typeface="HG丸ｺﾞｼｯｸM-PRO" panose="020F0600000000000000" pitchFamily="50" charset="-128"/>
+                        </a:rPr>
+                        <a:t>宇宙を舞台とし、ステージ上にある星を集め星座を作る</a:t>
+                      </a:r>
+                      <a:r>
+                        <a:rPr kumimoji="1" lang="ja-JP" altLang="en-US" sz="1200" b="0" i="0" u="none" strike="noStrike" cap="none" normalizeH="0" baseline="0" dirty="0" smtClean="0">
+                          <a:ln>
+                            <a:noFill/>
+                          </a:ln>
+                          <a:solidFill>
+                            <a:schemeClr val="tx1"/>
+                          </a:solidFill>
+                          <a:effectLst/>
+                          <a:latin typeface="HG丸ｺﾞｼｯｸM-PRO" panose="020F0600000000000000" pitchFamily="50" charset="-128"/>
+                          <a:ea typeface="HG丸ｺﾞｼｯｸM-PRO" panose="020F0600000000000000" pitchFamily="50" charset="-128"/>
+                        </a:rPr>
+                        <a:t>ということで表現しました。</a:t>
+                      </a:r>
+                      <a:endParaRPr kumimoji="1" lang="en-US" altLang="ja-JP" sz="1200" b="0" i="0" u="none" strike="noStrike" cap="none" normalizeH="0" baseline="0" dirty="0" smtClean="0">
+                        <a:ln>
+                          <a:noFill/>
+                        </a:ln>
+                        <a:solidFill>
+                          <a:schemeClr val="tx1"/>
+                        </a:solidFill>
+                        <a:effectLst/>
+                        <a:latin typeface="HG丸ｺﾞｼｯｸM-PRO" panose="020F0600000000000000" pitchFamily="50" charset="-128"/>
+                        <a:ea typeface="HG丸ｺﾞｼｯｸM-PRO" panose="020F0600000000000000" pitchFamily="50" charset="-128"/>
                       </a:endParaRPr>
                     </a:p>
                     <a:p>
@@ -6089,8 +6302,8 @@
                           <a:schemeClr val="tx1"/>
                         </a:solidFill>
                         <a:effectLst/>
-                        <a:latin typeface="ＭＳ Ｐゴシック" panose="020B0600070205080204" pitchFamily="50" charset="-128"/>
-                        <a:ea typeface="ＭＳ Ｐゴシック" panose="020B0600070205080204" pitchFamily="50" charset="-128"/>
+                        <a:latin typeface="HG丸ｺﾞｼｯｸM-PRO" panose="020F0600000000000000" pitchFamily="50" charset="-128"/>
+                        <a:ea typeface="HG丸ｺﾞｼｯｸM-PRO" panose="020F0600000000000000" pitchFamily="50" charset="-128"/>
                       </a:endParaRPr>
                     </a:p>
                     <a:p>
@@ -6119,24 +6332,10 @@
                             <a:schemeClr val="tx1"/>
                           </a:solidFill>
                           <a:effectLst/>
-                          <a:latin typeface="ＭＳ Ｐゴシック" panose="020B0600070205080204" pitchFamily="50" charset="-128"/>
-                          <a:ea typeface="ＭＳ Ｐゴシック" panose="020B0600070205080204" pitchFamily="50" charset="-128"/>
+                          <a:latin typeface="HG丸ｺﾞｼｯｸM-PRO" panose="020F0600000000000000" pitchFamily="50" charset="-128"/>
+                          <a:ea typeface="HG丸ｺﾞｼｯｸM-PRO" panose="020F0600000000000000" pitchFamily="50" charset="-128"/>
                         </a:rPr>
-                        <a:t>今回のテーマ「☆」は</a:t>
-                      </a:r>
-                      <a:r>
-                        <a:rPr kumimoji="1" lang="ja-JP" altLang="en-US" sz="1200" b="0" i="0" u="sng" strike="noStrike" cap="none" normalizeH="0" baseline="0" dirty="0" smtClean="0">
-                          <a:ln>
-                            <a:noFill/>
-                          </a:ln>
-                          <a:solidFill>
-                            <a:schemeClr val="tx1"/>
-                          </a:solidFill>
-                          <a:effectLst/>
-                          <a:latin typeface="ＭＳ Ｐゴシック" panose="020B0600070205080204" pitchFamily="50" charset="-128"/>
-                          <a:ea typeface="ＭＳ Ｐゴシック" panose="020B0600070205080204" pitchFamily="50" charset="-128"/>
-                        </a:rPr>
-                        <a:t>宇宙を舞台とし、ステージ上にある星を集め星座を作る</a:t>
+                        <a:t>各ステージにモチーフとなる星座が存在し</a:t>
                       </a:r>
                       <a:r>
                         <a:rPr kumimoji="1" lang="ja-JP" altLang="en-US" sz="1200" b="0" i="0" u="none" strike="noStrike" cap="none" normalizeH="0" baseline="0" dirty="0" smtClean="0">
@@ -6147,10 +6346,38 @@
                             <a:schemeClr val="tx1"/>
                           </a:solidFill>
                           <a:effectLst/>
-                          <a:latin typeface="ＭＳ Ｐゴシック" panose="020B0600070205080204" pitchFamily="50" charset="-128"/>
-                          <a:ea typeface="ＭＳ Ｐゴシック" panose="020B0600070205080204" pitchFamily="50" charset="-128"/>
+                          <a:latin typeface="HG丸ｺﾞｼｯｸM-PRO" panose="020F0600000000000000" pitchFamily="50" charset="-128"/>
+                          <a:ea typeface="HG丸ｺﾞｼｯｸM-PRO" panose="020F0600000000000000" pitchFamily="50" charset="-128"/>
                         </a:rPr>
-                        <a:t>ということで表現しました。</a:t>
+                        <a:t>、その星座</a:t>
+                      </a:r>
+                      <a:r>
+                        <a:rPr kumimoji="1" lang="ja-JP" altLang="en-US" sz="1200" b="0" i="0" u="none" strike="noStrike" cap="none" normalizeH="0" baseline="0" dirty="0" smtClean="0">
+                          <a:ln>
+                            <a:noFill/>
+                          </a:ln>
+                          <a:solidFill>
+                            <a:schemeClr val="tx1"/>
+                          </a:solidFill>
+                          <a:effectLst/>
+                          <a:latin typeface="HG丸ｺﾞｼｯｸM-PRO" panose="020F0600000000000000" pitchFamily="50" charset="-128"/>
+                          <a:ea typeface="HG丸ｺﾞｼｯｸM-PRO" panose="020F0600000000000000" pitchFamily="50" charset="-128"/>
+                        </a:rPr>
+                        <a:t>を完成させることで次のステージに行くことができます</a:t>
+                      </a:r>
+                      <a:r>
+                        <a:rPr kumimoji="1" lang="ja-JP" altLang="en-US" sz="1200" b="0" i="0" u="none" strike="noStrike" cap="none" normalizeH="0" baseline="0" dirty="0" smtClean="0">
+                          <a:ln>
+                            <a:noFill/>
+                          </a:ln>
+                          <a:solidFill>
+                            <a:schemeClr val="tx1"/>
+                          </a:solidFill>
+                          <a:effectLst/>
+                          <a:latin typeface="HG丸ｺﾞｼｯｸM-PRO" panose="020F0600000000000000" pitchFamily="50" charset="-128"/>
+                          <a:ea typeface="HG丸ｺﾞｼｯｸM-PRO" panose="020F0600000000000000" pitchFamily="50" charset="-128"/>
+                        </a:rPr>
+                        <a:t>。</a:t>
                       </a:r>
                       <a:endParaRPr kumimoji="1" lang="en-US" altLang="ja-JP" sz="1200" b="0" i="0" u="none" strike="noStrike" cap="none" normalizeH="0" baseline="0" dirty="0" smtClean="0">
                         <a:ln>
@@ -6160,8 +6387,108 @@
                           <a:schemeClr val="tx1"/>
                         </a:solidFill>
                         <a:effectLst/>
-                        <a:latin typeface="ＭＳ Ｐゴシック" panose="020B0600070205080204" pitchFamily="50" charset="-128"/>
-                        <a:ea typeface="ＭＳ Ｐゴシック" panose="020B0600070205080204" pitchFamily="50" charset="-128"/>
+                        <a:latin typeface="HG丸ｺﾞｼｯｸM-PRO" panose="020F0600000000000000" pitchFamily="50" charset="-128"/>
+                        <a:ea typeface="HG丸ｺﾞｼｯｸM-PRO" panose="020F0600000000000000" pitchFamily="50" charset="-128"/>
+                      </a:endParaRPr>
+                    </a:p>
+                    <a:p>
+                      <a:pPr marL="0" marR="0" lvl="0" indent="0" algn="l" defTabSz="914400" rtl="0" eaLnBrk="1" fontAlgn="base" latinLnBrk="0" hangingPunct="1">
+                        <a:lnSpc>
+                          <a:spcPct val="100000"/>
+                        </a:lnSpc>
+                        <a:spcBef>
+                          <a:spcPct val="20000"/>
+                        </a:spcBef>
+                        <a:spcAft>
+                          <a:spcPct val="0"/>
+                        </a:spcAft>
+                        <a:buClrTx/>
+                        <a:buSzTx/>
+                        <a:buFontTx/>
+                        <a:buNone/>
+                        <a:tabLst/>
+                      </a:pPr>
+                      <a:r>
+                        <a:rPr kumimoji="1" lang="ja-JP" altLang="en-US" sz="1200" b="0" i="0" u="none" strike="noStrike" cap="none" normalizeH="0" baseline="0" dirty="0" smtClean="0">
+                          <a:ln>
+                            <a:noFill/>
+                          </a:ln>
+                          <a:solidFill>
+                            <a:schemeClr val="tx1"/>
+                          </a:solidFill>
+                          <a:effectLst/>
+                          <a:latin typeface="HG丸ｺﾞｼｯｸM-PRO" panose="020F0600000000000000" pitchFamily="50" charset="-128"/>
+                          <a:ea typeface="HG丸ｺﾞｼｯｸM-PRO" panose="020F0600000000000000" pitchFamily="50" charset="-128"/>
+                        </a:rPr>
+                        <a:t>星座が完成すると次のステージから各星座に設定されたスキルを使用することができます</a:t>
+                      </a:r>
+                      <a:r>
+                        <a:rPr kumimoji="1" lang="ja-JP" altLang="en-US" sz="1200" b="0" i="0" u="none" strike="noStrike" cap="none" normalizeH="0" baseline="0" dirty="0" smtClean="0">
+                          <a:ln>
+                            <a:noFill/>
+                          </a:ln>
+                          <a:solidFill>
+                            <a:schemeClr val="tx1"/>
+                          </a:solidFill>
+                          <a:effectLst/>
+                          <a:latin typeface="HG丸ｺﾞｼｯｸM-PRO" panose="020F0600000000000000" pitchFamily="50" charset="-128"/>
+                          <a:ea typeface="HG丸ｺﾞｼｯｸM-PRO" panose="020F0600000000000000" pitchFamily="50" charset="-128"/>
+                        </a:rPr>
+                        <a:t>。</a:t>
+                      </a:r>
+                      <a:endParaRPr kumimoji="1" lang="en-US" altLang="ja-JP" sz="1200" b="0" i="0" u="none" strike="noStrike" cap="none" normalizeH="0" baseline="0" dirty="0" smtClean="0">
+                        <a:ln>
+                          <a:noFill/>
+                        </a:ln>
+                        <a:solidFill>
+                          <a:schemeClr val="tx1"/>
+                        </a:solidFill>
+                        <a:effectLst/>
+                        <a:latin typeface="HG丸ｺﾞｼｯｸM-PRO" panose="020F0600000000000000" pitchFamily="50" charset="-128"/>
+                        <a:ea typeface="HG丸ｺﾞｼｯｸM-PRO" panose="020F0600000000000000" pitchFamily="50" charset="-128"/>
+                      </a:endParaRPr>
+                    </a:p>
+                    <a:p>
+                      <a:pPr marL="0" marR="0" lvl="0" indent="0" algn="l" defTabSz="914400" rtl="0" eaLnBrk="1" fontAlgn="base" latinLnBrk="0" hangingPunct="1">
+                        <a:lnSpc>
+                          <a:spcPct val="100000"/>
+                        </a:lnSpc>
+                        <a:spcBef>
+                          <a:spcPct val="20000"/>
+                        </a:spcBef>
+                        <a:spcAft>
+                          <a:spcPct val="0"/>
+                        </a:spcAft>
+                        <a:buClrTx/>
+                        <a:buSzTx/>
+                        <a:buFontTx/>
+                        <a:buNone/>
+                        <a:tabLst/>
+                      </a:pPr>
+                      <a:r>
+                        <a:rPr kumimoji="1" lang="ja-JP" altLang="en-US" sz="1200" b="0" i="0" u="none" strike="noStrike" cap="none" normalizeH="0" baseline="0" dirty="0" smtClean="0">
+                          <a:ln>
+                            <a:noFill/>
+                          </a:ln>
+                          <a:solidFill>
+                            <a:schemeClr val="tx1"/>
+                          </a:solidFill>
+                          <a:effectLst/>
+                          <a:latin typeface="HG丸ｺﾞｼｯｸM-PRO" panose="020F0600000000000000" pitchFamily="50" charset="-128"/>
+                          <a:ea typeface="HG丸ｺﾞｼｯｸM-PRO" panose="020F0600000000000000" pitchFamily="50" charset="-128"/>
+                        </a:rPr>
+                        <a:t>スキルには様々な効果があり、中にはスキルを使用しないと進めない場面もあります。</a:t>
+                      </a:r>
+                      <a:endParaRPr kumimoji="1" lang="en-US" altLang="ja-JP" sz="1200" b="0" i="0" u="none" strike="noStrike" cap="none" normalizeH="0" baseline="0" dirty="0" smtClean="0">
+                        <a:ln>
+                          <a:noFill/>
+                        </a:ln>
+                        <a:solidFill>
+                          <a:schemeClr val="tx1"/>
+                        </a:solidFill>
+                        <a:effectLst/>
+                        <a:latin typeface="HG丸ｺﾞｼｯｸM-PRO" panose="020F0600000000000000" pitchFamily="50" charset="-128"/>
+                        <a:ea typeface="HG丸ｺﾞｼｯｸM-PRO" panose="020F0600000000000000" pitchFamily="50" charset="-128"/>
                       </a:endParaRPr>
                     </a:p>
                     <a:p>
@@ -6189,8 +6516,8 @@
                           <a:schemeClr val="tx1"/>
                         </a:solidFill>
                         <a:effectLst/>
-                        <a:latin typeface="ＭＳ Ｐゴシック" panose="020B0600070205080204" pitchFamily="50" charset="-128"/>
-                        <a:ea typeface="ＭＳ Ｐゴシック" panose="020B0600070205080204" pitchFamily="50" charset="-128"/>
+                        <a:latin typeface="HG丸ｺﾞｼｯｸM-PRO" panose="020F0600000000000000" pitchFamily="50" charset="-128"/>
+                        <a:ea typeface="HG丸ｺﾞｼｯｸM-PRO" panose="020F0600000000000000" pitchFamily="50" charset="-128"/>
                       </a:endParaRPr>
                     </a:p>
                     <a:p>
@@ -6219,10 +6546,10 @@
                             <a:schemeClr val="tx1"/>
                           </a:solidFill>
                           <a:effectLst/>
-                          <a:latin typeface="ＭＳ Ｐゴシック" panose="020B0600070205080204" pitchFamily="50" charset="-128"/>
-                          <a:ea typeface="ＭＳ Ｐゴシック" panose="020B0600070205080204" pitchFamily="50" charset="-128"/>
+                          <a:latin typeface="HG丸ｺﾞｼｯｸM-PRO" panose="020F0600000000000000" pitchFamily="50" charset="-128"/>
+                          <a:ea typeface="HG丸ｺﾞｼｯｸM-PRO" panose="020F0600000000000000" pitchFamily="50" charset="-128"/>
                         </a:rPr>
-                        <a:t>各ステージにモチーフとなる星座が存在し、星座を完成させることで次のステージに行くことができます。</a:t>
+                        <a:t>すべてのステージをクリアすると、最後にボスが登場します。</a:t>
                       </a:r>
                       <a:endParaRPr kumimoji="1" lang="en-US" altLang="ja-JP" sz="1200" b="0" i="0" u="none" strike="noStrike" cap="none" normalizeH="0" baseline="0" dirty="0" smtClean="0">
                         <a:ln>
@@ -6232,8 +6559,8 @@
                           <a:schemeClr val="tx1"/>
                         </a:solidFill>
                         <a:effectLst/>
-                        <a:latin typeface="ＭＳ Ｐゴシック" panose="020B0600070205080204" pitchFamily="50" charset="-128"/>
-                        <a:ea typeface="ＭＳ Ｐゴシック" panose="020B0600070205080204" pitchFamily="50" charset="-128"/>
+                        <a:latin typeface="HG丸ｺﾞｼｯｸM-PRO" panose="020F0600000000000000" pitchFamily="50" charset="-128"/>
+                        <a:ea typeface="HG丸ｺﾞｼｯｸM-PRO" panose="020F0600000000000000" pitchFamily="50" charset="-128"/>
                       </a:endParaRPr>
                     </a:p>
                     <a:p>
@@ -6262,166 +6589,8 @@
                             <a:schemeClr val="tx1"/>
                           </a:solidFill>
                           <a:effectLst/>
-                          <a:latin typeface="ＭＳ Ｐゴシック" panose="020B0600070205080204" pitchFamily="50" charset="-128"/>
-                          <a:ea typeface="ＭＳ Ｐゴシック" panose="020B0600070205080204" pitchFamily="50" charset="-128"/>
-                        </a:rPr>
-                        <a:t>星座が完成すると次のステージから各星座に設定されたスキルを使用することができます。</a:t>
-                      </a:r>
-                      <a:endParaRPr kumimoji="1" lang="en-US" altLang="ja-JP" sz="1200" b="0" i="0" u="none" strike="noStrike" cap="none" normalizeH="0" baseline="0" dirty="0" smtClean="0">
-                        <a:ln>
-                          <a:noFill/>
-                        </a:ln>
-                        <a:solidFill>
-                          <a:schemeClr val="tx1"/>
-                        </a:solidFill>
-                        <a:effectLst/>
-                        <a:latin typeface="ＭＳ Ｐゴシック" panose="020B0600070205080204" pitchFamily="50" charset="-128"/>
-                        <a:ea typeface="ＭＳ Ｐゴシック" panose="020B0600070205080204" pitchFamily="50" charset="-128"/>
-                      </a:endParaRPr>
-                    </a:p>
-                    <a:p>
-                      <a:pPr marL="0" marR="0" lvl="0" indent="0" algn="l" defTabSz="914400" rtl="0" eaLnBrk="1" fontAlgn="base" latinLnBrk="0" hangingPunct="1">
-                        <a:lnSpc>
-                          <a:spcPct val="100000"/>
-                        </a:lnSpc>
-                        <a:spcBef>
-                          <a:spcPct val="20000"/>
-                        </a:spcBef>
-                        <a:spcAft>
-                          <a:spcPct val="0"/>
-                        </a:spcAft>
-                        <a:buClrTx/>
-                        <a:buSzTx/>
-                        <a:buFontTx/>
-                        <a:buNone/>
-                        <a:tabLst/>
-                      </a:pPr>
-                      <a:r>
-                        <a:rPr kumimoji="1" lang="ja-JP" altLang="en-US" sz="1200" b="0" i="0" u="none" strike="noStrike" cap="none" normalizeH="0" baseline="0" dirty="0" smtClean="0">
-                          <a:ln>
-                            <a:noFill/>
-                          </a:ln>
-                          <a:solidFill>
-                            <a:schemeClr val="tx1"/>
-                          </a:solidFill>
-                          <a:effectLst/>
-                          <a:latin typeface="ＭＳ Ｐゴシック" panose="020B0600070205080204" pitchFamily="50" charset="-128"/>
-                          <a:ea typeface="ＭＳ Ｐゴシック" panose="020B0600070205080204" pitchFamily="50" charset="-128"/>
-                        </a:rPr>
-                        <a:t>スキルには様々な効果があり、中にはスキルを使用しないと進めない場面もあります。</a:t>
-                      </a:r>
-                      <a:endParaRPr kumimoji="1" lang="en-US" altLang="ja-JP" sz="1200" b="0" i="0" u="none" strike="noStrike" cap="none" normalizeH="0" baseline="0" dirty="0" smtClean="0">
-                        <a:ln>
-                          <a:noFill/>
-                        </a:ln>
-                        <a:solidFill>
-                          <a:schemeClr val="tx1"/>
-                        </a:solidFill>
-                        <a:effectLst/>
-                        <a:latin typeface="ＭＳ Ｐゴシック" panose="020B0600070205080204" pitchFamily="50" charset="-128"/>
-                        <a:ea typeface="ＭＳ Ｐゴシック" panose="020B0600070205080204" pitchFamily="50" charset="-128"/>
-                      </a:endParaRPr>
-                    </a:p>
-                    <a:p>
-                      <a:pPr marL="0" marR="0" lvl="0" indent="0" algn="l" defTabSz="914400" rtl="0" eaLnBrk="1" fontAlgn="base" latinLnBrk="0" hangingPunct="1">
-                        <a:lnSpc>
-                          <a:spcPct val="100000"/>
-                        </a:lnSpc>
-                        <a:spcBef>
-                          <a:spcPct val="20000"/>
-                        </a:spcBef>
-                        <a:spcAft>
-                          <a:spcPct val="0"/>
-                        </a:spcAft>
-                        <a:buClrTx/>
-                        <a:buSzTx/>
-                        <a:buFontTx/>
-                        <a:buNone/>
-                        <a:tabLst/>
-                      </a:pPr>
-                      <a:endParaRPr kumimoji="1" lang="en-US" altLang="ja-JP" sz="1200" b="0" i="0" u="none" strike="noStrike" cap="none" normalizeH="0" baseline="0" dirty="0" smtClean="0">
-                        <a:ln>
-                          <a:noFill/>
-                        </a:ln>
-                        <a:solidFill>
-                          <a:schemeClr val="tx1"/>
-                        </a:solidFill>
-                        <a:effectLst/>
-                        <a:latin typeface="ＭＳ Ｐゴシック" panose="020B0600070205080204" pitchFamily="50" charset="-128"/>
-                        <a:ea typeface="ＭＳ Ｐゴシック" panose="020B0600070205080204" pitchFamily="50" charset="-128"/>
-                      </a:endParaRPr>
-                    </a:p>
-                    <a:p>
-                      <a:pPr marL="0" marR="0" lvl="0" indent="0" algn="l" defTabSz="914400" rtl="0" eaLnBrk="1" fontAlgn="base" latinLnBrk="0" hangingPunct="1">
-                        <a:lnSpc>
-                          <a:spcPct val="100000"/>
-                        </a:lnSpc>
-                        <a:spcBef>
-                          <a:spcPct val="20000"/>
-                        </a:spcBef>
-                        <a:spcAft>
-                          <a:spcPct val="0"/>
-                        </a:spcAft>
-                        <a:buClrTx/>
-                        <a:buSzTx/>
-                        <a:buFontTx/>
-                        <a:buNone/>
-                        <a:tabLst/>
-                      </a:pPr>
-                      <a:r>
-                        <a:rPr kumimoji="1" lang="ja-JP" altLang="en-US" sz="1200" b="0" i="0" u="none" strike="noStrike" cap="none" normalizeH="0" baseline="0" dirty="0" smtClean="0">
-                          <a:ln>
-                            <a:noFill/>
-                          </a:ln>
-                          <a:solidFill>
-                            <a:schemeClr val="tx1"/>
-                          </a:solidFill>
-                          <a:effectLst/>
-                          <a:latin typeface="ＭＳ Ｐゴシック" panose="020B0600070205080204" pitchFamily="50" charset="-128"/>
-                          <a:ea typeface="ＭＳ Ｐゴシック" panose="020B0600070205080204" pitchFamily="50" charset="-128"/>
-                        </a:rPr>
-                        <a:t>すべてのステージをクリアすると、最後にボスが登場します。</a:t>
-                      </a:r>
-                      <a:endParaRPr kumimoji="1" lang="en-US" altLang="ja-JP" sz="1200" b="0" i="0" u="none" strike="noStrike" cap="none" normalizeH="0" baseline="0" dirty="0" smtClean="0">
-                        <a:ln>
-                          <a:noFill/>
-                        </a:ln>
-                        <a:solidFill>
-                          <a:schemeClr val="tx1"/>
-                        </a:solidFill>
-                        <a:effectLst/>
-                        <a:latin typeface="ＭＳ Ｐゴシック" panose="020B0600070205080204" pitchFamily="50" charset="-128"/>
-                        <a:ea typeface="ＭＳ Ｐゴシック" panose="020B0600070205080204" pitchFamily="50" charset="-128"/>
-                      </a:endParaRPr>
-                    </a:p>
-                    <a:p>
-                      <a:pPr marL="0" marR="0" lvl="0" indent="0" algn="l" defTabSz="914400" rtl="0" eaLnBrk="1" fontAlgn="base" latinLnBrk="0" hangingPunct="1">
-                        <a:lnSpc>
-                          <a:spcPct val="100000"/>
-                        </a:lnSpc>
-                        <a:spcBef>
-                          <a:spcPct val="20000"/>
-                        </a:spcBef>
-                        <a:spcAft>
-                          <a:spcPct val="0"/>
-                        </a:spcAft>
-                        <a:buClrTx/>
-                        <a:buSzTx/>
-                        <a:buFontTx/>
-                        <a:buNone/>
-                        <a:tabLst/>
-                      </a:pPr>
-                      <a:r>
-                        <a:rPr kumimoji="1" lang="ja-JP" altLang="en-US" sz="1200" b="0" i="0" u="none" strike="noStrike" cap="none" normalizeH="0" baseline="0" dirty="0" smtClean="0">
-                          <a:ln>
-                            <a:noFill/>
-                          </a:ln>
-                          <a:solidFill>
-                            <a:schemeClr val="tx1"/>
-                          </a:solidFill>
-                          <a:effectLst/>
-                          <a:latin typeface="ＭＳ Ｐゴシック" panose="020B0600070205080204" pitchFamily="50" charset="-128"/>
-                          <a:ea typeface="ＭＳ Ｐゴシック" panose="020B0600070205080204" pitchFamily="50" charset="-128"/>
+                          <a:latin typeface="HG丸ｺﾞｼｯｸM-PRO" panose="020F0600000000000000" pitchFamily="50" charset="-128"/>
+                          <a:ea typeface="HG丸ｺﾞｼｯｸM-PRO" panose="020F0600000000000000" pitchFamily="50" charset="-128"/>
                         </a:rPr>
                         <a:t>これまでのステージで獲得したスキルを駆使して、強力なボスを倒しましょう！</a:t>
                       </a:r>
@@ -6433,8 +6602,8 @@
                           <a:schemeClr val="tx1"/>
                         </a:solidFill>
                         <a:effectLst/>
-                        <a:latin typeface="ＭＳ Ｐゴシック" panose="020B0600070205080204" pitchFamily="50" charset="-128"/>
-                        <a:ea typeface="ＭＳ Ｐゴシック" panose="020B0600070205080204" pitchFamily="50" charset="-128"/>
+                        <a:latin typeface="HG丸ｺﾞｼｯｸM-PRO" panose="020F0600000000000000" pitchFamily="50" charset="-128"/>
+                        <a:ea typeface="HG丸ｺﾞｼｯｸM-PRO" panose="020F0600000000000000" pitchFamily="50" charset="-128"/>
                       </a:endParaRPr>
                     </a:p>
                     <a:p>
@@ -7210,7 +7379,7 @@
                   </a:tcPr>
                 </a:tc>
               </a:tr>
-              <a:tr h="7056784">
+              <a:tr h="2991355">
                 <a:tc>
                   <a:txBody>
                     <a:bodyPr/>
@@ -7298,7 +7467,7 @@
       </p:graphicFrame>
       <p:pic>
         <p:nvPicPr>
-          <p:cNvPr id="2" name="図 1"/>
+          <p:cNvPr id="4" name="図 3"/>
           <p:cNvPicPr>
             <a:picLocks noChangeAspect="1"/>
           </p:cNvPicPr>
@@ -7318,8 +7487,8 @@
         </p:blipFill>
         <p:spPr>
           <a:xfrm>
-            <a:off x="1566540" y="2970237"/>
-            <a:ext cx="3594504" cy="1586075"/>
+            <a:off x="1062484" y="2898229"/>
+            <a:ext cx="4694238" cy="2071333"/>
           </a:xfrm>
           <a:prstGeom prst="rect">
             <a:avLst/>
